--- a/프레젠테이션1.pptx
+++ b/프레젠테이션1.pptx
@@ -5,8 +5,18 @@
     <p:sldMasterId id="2147483648" r:id="rId1"/>
   </p:sldMasterIdLst>
   <p:sldIdLst>
-    <p:sldId id="257" r:id="rId2"/>
-    <p:sldId id="259" r:id="rId3"/>
+    <p:sldId id="262" r:id="rId2"/>
+    <p:sldId id="265" r:id="rId3"/>
+    <p:sldId id="269" r:id="rId4"/>
+    <p:sldId id="264" r:id="rId5"/>
+    <p:sldId id="266" r:id="rId6"/>
+    <p:sldId id="261" r:id="rId7"/>
+    <p:sldId id="267" r:id="rId8"/>
+    <p:sldId id="268" r:id="rId9"/>
+    <p:sldId id="260" r:id="rId10"/>
+    <p:sldId id="263" r:id="rId11"/>
+    <p:sldId id="257" r:id="rId12"/>
+    <p:sldId id="259" r:id="rId13"/>
   </p:sldIdLst>
   <p:sldSz cx="12192000" cy="6858000"/>
   <p:notesSz cx="6858000" cy="9144000"/>
@@ -105,6 +115,11 @@
       </a:defRPr>
     </a:lvl9pPr>
   </p:defaultTextStyle>
+  <p:extLst>
+    <p:ext uri="{EFAFB233-063F-42B5-8137-9DF3F51BA10A}">
+      <p15:sldGuideLst xmlns:p15="http://schemas.microsoft.com/office/powerpoint/2012/main"/>
+    </p:ext>
+  </p:extLst>
 </p:presentation>
 </file>
 
@@ -3324,6 +3339,153 @@
       </p:grpSpPr>
       <p:sp>
         <p:nvSpPr>
+          <p:cNvPr id="2" name="제목 1">
+            <a:extLst>
+              <a:ext uri="{FF2B5EF4-FFF2-40B4-BE49-F238E27FC236}">
+                <a16:creationId xmlns:a16="http://schemas.microsoft.com/office/drawing/2014/main" id="{73EC282B-3C76-30F2-DEA5-28800F3925A6}"/>
+              </a:ext>
+            </a:extLst>
+          </p:cNvPr>
+          <p:cNvSpPr>
+            <a:spLocks noGrp="1"/>
+          </p:cNvSpPr>
+          <p:nvPr>
+            <p:ph type="ctrTitle"/>
+          </p:nvPr>
+        </p:nvSpPr>
+        <p:spPr/>
+        <p:txBody>
+          <a:bodyPr/>
+          <a:lstStyle/>
+          <a:p>
+            <a:r>
+              <a:rPr lang="ko-KR" altLang="en-US" dirty="0"/>
+              <a:t>보행패턴</a:t>
+            </a:r>
+          </a:p>
+        </p:txBody>
+      </p:sp>
+    </p:spTree>
+    <p:extLst>
+      <p:ext uri="{BB962C8B-B14F-4D97-AF65-F5344CB8AC3E}">
+        <p14:creationId xmlns:p14="http://schemas.microsoft.com/office/powerpoint/2010/main" val="750501121"/>
+      </p:ext>
+    </p:extLst>
+  </p:cSld>
+  <p:clrMapOvr>
+    <a:masterClrMapping/>
+  </p:clrMapOvr>
+</p:sld>
+</file>
+
+<file path=ppt/slides/slide10.xml><?xml version="1.0" encoding="utf-8"?>
+<p:sld xmlns:a="http://schemas.openxmlformats.org/drawingml/2006/main" xmlns:r="http://schemas.openxmlformats.org/officeDocument/2006/relationships" xmlns:p="http://schemas.openxmlformats.org/presentationml/2006/main">
+  <p:cSld>
+    <p:spTree>
+      <p:nvGrpSpPr>
+        <p:cNvPr id="1" name="">
+          <a:extLst>
+            <a:ext uri="{FF2B5EF4-FFF2-40B4-BE49-F238E27FC236}">
+              <a16:creationId xmlns:a16="http://schemas.microsoft.com/office/drawing/2014/main" id="{45CA7F9E-FA9A-72C5-19ED-DA52F74DB72E}"/>
+            </a:ext>
+          </a:extLst>
+        </p:cNvPr>
+        <p:cNvGrpSpPr/>
+        <p:nvPr/>
+      </p:nvGrpSpPr>
+      <p:grpSpPr>
+        <a:xfrm>
+          <a:off x="0" y="0"/>
+          <a:ext cx="0" cy="0"/>
+          <a:chOff x="0" y="0"/>
+          <a:chExt cx="0" cy="0"/>
+        </a:xfrm>
+      </p:grpSpPr>
+      <p:sp>
+        <p:nvSpPr>
+          <p:cNvPr id="2" name="제목 1">
+            <a:extLst>
+              <a:ext uri="{FF2B5EF4-FFF2-40B4-BE49-F238E27FC236}">
+                <a16:creationId xmlns:a16="http://schemas.microsoft.com/office/drawing/2014/main" id="{35739E22-9F19-5148-35D1-820FC97F837E}"/>
+              </a:ext>
+            </a:extLst>
+          </p:cNvPr>
+          <p:cNvSpPr>
+            <a:spLocks noGrp="1"/>
+          </p:cNvSpPr>
+          <p:nvPr>
+            <p:ph type="ctrTitle"/>
+          </p:nvPr>
+        </p:nvSpPr>
+        <p:spPr/>
+        <p:txBody>
+          <a:bodyPr/>
+          <a:lstStyle/>
+          <a:p>
+            <a:r>
+              <a:rPr lang="ko-KR" altLang="en-US" dirty="0"/>
+              <a:t>서비스</a:t>
+            </a:r>
+          </a:p>
+        </p:txBody>
+      </p:sp>
+      <p:sp>
+        <p:nvSpPr>
+          <p:cNvPr id="3" name="부제목 2">
+            <a:extLst>
+              <a:ext uri="{FF2B5EF4-FFF2-40B4-BE49-F238E27FC236}">
+                <a16:creationId xmlns:a16="http://schemas.microsoft.com/office/drawing/2014/main" id="{856B6B37-BDA9-058E-F516-3D666720D805}"/>
+              </a:ext>
+            </a:extLst>
+          </p:cNvPr>
+          <p:cNvSpPr>
+            <a:spLocks noGrp="1"/>
+          </p:cNvSpPr>
+          <p:nvPr>
+            <p:ph type="subTitle" idx="1"/>
+          </p:nvPr>
+        </p:nvSpPr>
+        <p:spPr/>
+        <p:txBody>
+          <a:bodyPr/>
+          <a:lstStyle/>
+          <a:p>
+            <a:endParaRPr lang="ko-KR" altLang="en-US"/>
+          </a:p>
+        </p:txBody>
+      </p:sp>
+    </p:spTree>
+    <p:extLst>
+      <p:ext uri="{BB962C8B-B14F-4D97-AF65-F5344CB8AC3E}">
+        <p14:creationId xmlns:p14="http://schemas.microsoft.com/office/powerpoint/2010/main" val="2163467671"/>
+      </p:ext>
+    </p:extLst>
+  </p:cSld>
+  <p:clrMapOvr>
+    <a:masterClrMapping/>
+  </p:clrMapOvr>
+</p:sld>
+</file>
+
+<file path=ppt/slides/slide11.xml><?xml version="1.0" encoding="utf-8"?>
+<p:sld xmlns:a="http://schemas.openxmlformats.org/drawingml/2006/main" xmlns:r="http://schemas.openxmlformats.org/officeDocument/2006/relationships" xmlns:p="http://schemas.openxmlformats.org/presentationml/2006/main">
+  <p:cSld>
+    <p:spTree>
+      <p:nvGrpSpPr>
+        <p:cNvPr id="1" name=""/>
+        <p:cNvGrpSpPr/>
+        <p:nvPr/>
+      </p:nvGrpSpPr>
+      <p:grpSpPr>
+        <a:xfrm>
+          <a:off x="0" y="0"/>
+          <a:ext cx="0" cy="0"/>
+          <a:chOff x="0" y="0"/>
+          <a:chExt cx="0" cy="0"/>
+        </a:xfrm>
+      </p:grpSpPr>
+      <p:sp>
+        <p:nvSpPr>
           <p:cNvPr id="3" name="TextBox 2">
             <a:extLst>
               <a:ext uri="{FF2B5EF4-FFF2-40B4-BE49-F238E27FC236}">
@@ -4247,7 +4409,7 @@
 </p:sld>
 </file>
 
-<file path=ppt/slides/slide2.xml><?xml version="1.0" encoding="utf-8"?>
+<file path=ppt/slides/slide12.xml><?xml version="1.0" encoding="utf-8"?>
 <p:sld xmlns:a="http://schemas.openxmlformats.org/drawingml/2006/main" xmlns:r="http://schemas.openxmlformats.org/officeDocument/2006/relationships" xmlns:p="http://schemas.openxmlformats.org/presentationml/2006/main">
   <p:cSld>
     <p:spTree>
@@ -5186,6 +5348,2220 @@
     <p:extLst>
       <p:ext uri="{BB962C8B-B14F-4D97-AF65-F5344CB8AC3E}">
         <p14:creationId xmlns:p14="http://schemas.microsoft.com/office/powerpoint/2010/main" val="4111232373"/>
+      </p:ext>
+    </p:extLst>
+  </p:cSld>
+  <p:clrMapOvr>
+    <a:masterClrMapping/>
+  </p:clrMapOvr>
+</p:sld>
+</file>
+
+<file path=ppt/slides/slide2.xml><?xml version="1.0" encoding="utf-8"?>
+<p:sld xmlns:a="http://schemas.openxmlformats.org/drawingml/2006/main" xmlns:r="http://schemas.openxmlformats.org/officeDocument/2006/relationships" xmlns:p="http://schemas.openxmlformats.org/presentationml/2006/main">
+  <p:cSld>
+    <p:spTree>
+      <p:nvGrpSpPr>
+        <p:cNvPr id="1" name=""/>
+        <p:cNvGrpSpPr/>
+        <p:nvPr/>
+      </p:nvGrpSpPr>
+      <p:grpSpPr>
+        <a:xfrm>
+          <a:off x="0" y="0"/>
+          <a:ext cx="0" cy="0"/>
+          <a:chOff x="0" y="0"/>
+          <a:chExt cx="0" cy="0"/>
+        </a:xfrm>
+      </p:grpSpPr>
+      <p:pic>
+        <p:nvPicPr>
+          <p:cNvPr id="5122" name="Picture 2" descr="researchgate.net">
+            <a:extLst>
+              <a:ext uri="{FF2B5EF4-FFF2-40B4-BE49-F238E27FC236}">
+                <a16:creationId xmlns:a16="http://schemas.microsoft.com/office/drawing/2014/main" id="{418483C8-868A-01EC-0BD7-6B092BDE55CE}"/>
+              </a:ext>
+            </a:extLst>
+          </p:cNvPr>
+          <p:cNvPicPr>
+            <a:picLocks noChangeAspect="1" noChangeArrowheads="1"/>
+          </p:cNvPicPr>
+          <p:nvPr/>
+        </p:nvPicPr>
+        <p:blipFill>
+          <a:blip r:embed="rId2">
+            <a:extLst>
+              <a:ext uri="{28A0092B-C50C-407E-A947-70E740481C1C}">
+                <a14:useLocalDpi xmlns:a14="http://schemas.microsoft.com/office/drawing/2010/main" val="0"/>
+              </a:ext>
+            </a:extLst>
+          </a:blip>
+          <a:srcRect/>
+          <a:stretch>
+            <a:fillRect/>
+          </a:stretch>
+        </p:blipFill>
+        <p:spPr bwMode="auto">
+          <a:xfrm>
+            <a:off x="1542388" y="849731"/>
+            <a:ext cx="3638076" cy="4324204"/>
+          </a:xfrm>
+          <a:prstGeom prst="rect">
+            <a:avLst/>
+          </a:prstGeom>
+          <a:noFill/>
+          <a:extLst>
+            <a:ext uri="{909E8E84-426E-40DD-AFC4-6F175D3DCCD1}">
+              <a14:hiddenFill xmlns:a14="http://schemas.microsoft.com/office/drawing/2010/main">
+                <a:solidFill>
+                  <a:srgbClr val="FFFFFF"/>
+                </a:solidFill>
+              </a14:hiddenFill>
+            </a:ext>
+          </a:extLst>
+        </p:spPr>
+      </p:pic>
+      <p:sp>
+        <p:nvSpPr>
+          <p:cNvPr id="7" name="TextBox 6">
+            <a:extLst>
+              <a:ext uri="{FF2B5EF4-FFF2-40B4-BE49-F238E27FC236}">
+                <a16:creationId xmlns:a16="http://schemas.microsoft.com/office/drawing/2014/main" id="{B5A5EEB6-5CBB-97AC-46AF-CF08FDCD77D2}"/>
+              </a:ext>
+            </a:extLst>
+          </p:cNvPr>
+          <p:cNvSpPr txBox="1"/>
+          <p:nvPr/>
+        </p:nvSpPr>
+        <p:spPr>
+          <a:xfrm>
+            <a:off x="-1136" y="5657671"/>
+            <a:ext cx="6097136" cy="1200329"/>
+          </a:xfrm>
+          <a:prstGeom prst="rect">
+            <a:avLst/>
+          </a:prstGeom>
+          <a:noFill/>
+        </p:spPr>
+        <p:txBody>
+          <a:bodyPr wrap="square">
+            <a:spAutoFit/>
+          </a:bodyPr>
+          <a:lstStyle/>
+          <a:p>
+            <a:r>
+              <a:rPr lang="en-US" altLang="ko-KR" b="0" i="0" dirty="0">
+                <a:solidFill>
+                  <a:srgbClr val="222222"/>
+                </a:solidFill>
+                <a:effectLst/>
+                <a:latin typeface="Arial" panose="020B0604020202020204" pitchFamily="34" charset="0"/>
+              </a:rPr>
+              <a:t>van der </a:t>
+            </a:r>
+            <a:r>
+              <a:rPr lang="en-US" altLang="ko-KR" b="0" i="0" dirty="0" err="1">
+                <a:solidFill>
+                  <a:srgbClr val="222222"/>
+                </a:solidFill>
+                <a:effectLst/>
+                <a:latin typeface="Arial" panose="020B0604020202020204" pitchFamily="34" charset="0"/>
+              </a:rPr>
+              <a:t>Weele</a:t>
+            </a:r>
+            <a:r>
+              <a:rPr lang="en-US" altLang="ko-KR" b="0" i="0" dirty="0">
+                <a:solidFill>
+                  <a:srgbClr val="222222"/>
+                </a:solidFill>
+                <a:effectLst/>
+                <a:latin typeface="Arial" panose="020B0604020202020204" pitchFamily="34" charset="0"/>
+              </a:rPr>
+              <a:t>, Jacobus P., and Erik J. Banning. "Mode interaction in horses, tea, and other nonlinear oscillators: The universal role of symmetry." </a:t>
+            </a:r>
+            <a:r>
+              <a:rPr lang="en-US" altLang="ko-KR" b="0" i="1" dirty="0">
+                <a:solidFill>
+                  <a:srgbClr val="222222"/>
+                </a:solidFill>
+                <a:effectLst/>
+                <a:latin typeface="Arial" panose="020B0604020202020204" pitchFamily="34" charset="0"/>
+              </a:rPr>
+              <a:t>American Journal of Physics</a:t>
+            </a:r>
+            <a:r>
+              <a:rPr lang="en-US" altLang="ko-KR" b="0" i="0" dirty="0">
+                <a:solidFill>
+                  <a:srgbClr val="222222"/>
+                </a:solidFill>
+                <a:effectLst/>
+                <a:latin typeface="Arial" panose="020B0604020202020204" pitchFamily="34" charset="0"/>
+              </a:rPr>
+              <a:t> 69.9 (2001): 953-965.</a:t>
+            </a:r>
+            <a:endParaRPr lang="ko-KR" altLang="en-US" dirty="0"/>
+          </a:p>
+        </p:txBody>
+      </p:sp>
+      <p:sp>
+        <p:nvSpPr>
+          <p:cNvPr id="9" name="TextBox 8">
+            <a:extLst>
+              <a:ext uri="{FF2B5EF4-FFF2-40B4-BE49-F238E27FC236}">
+                <a16:creationId xmlns:a16="http://schemas.microsoft.com/office/drawing/2014/main" id="{36001728-8723-4921-E16A-1CD4456EBE3D}"/>
+              </a:ext>
+            </a:extLst>
+          </p:cNvPr>
+          <p:cNvSpPr txBox="1"/>
+          <p:nvPr/>
+        </p:nvSpPr>
+        <p:spPr>
+          <a:xfrm>
+            <a:off x="5302250" y="2411668"/>
+            <a:ext cx="6121400" cy="1200329"/>
+          </a:xfrm>
+          <a:prstGeom prst="rect">
+            <a:avLst/>
+          </a:prstGeom>
+          <a:noFill/>
+        </p:spPr>
+        <p:txBody>
+          <a:bodyPr wrap="square">
+            <a:spAutoFit/>
+          </a:bodyPr>
+          <a:lstStyle/>
+          <a:p>
+            <a:r>
+              <a:rPr lang="en-US" altLang="ko-KR" dirty="0"/>
+              <a:t>Fig. 16. The four basic gaits, corresponding to the basic modes of our four-pendulum model: ~a! pronk, ~b! bound, ~c! pace ~or rack!, and ~d! trot. The pictures of the latter three are adapted from Ref. 19.</a:t>
+            </a:r>
+            <a:endParaRPr lang="ko-KR" altLang="en-US" dirty="0"/>
+          </a:p>
+        </p:txBody>
+      </p:sp>
+    </p:spTree>
+    <p:extLst>
+      <p:ext uri="{BB962C8B-B14F-4D97-AF65-F5344CB8AC3E}">
+        <p14:creationId xmlns:p14="http://schemas.microsoft.com/office/powerpoint/2010/main" val="3889193720"/>
+      </p:ext>
+    </p:extLst>
+  </p:cSld>
+  <p:clrMapOvr>
+    <a:masterClrMapping/>
+  </p:clrMapOvr>
+</p:sld>
+</file>
+
+<file path=ppt/slides/slide3.xml><?xml version="1.0" encoding="utf-8"?>
+<p:sld xmlns:a="http://schemas.openxmlformats.org/drawingml/2006/main" xmlns:r="http://schemas.openxmlformats.org/officeDocument/2006/relationships" xmlns:p="http://schemas.openxmlformats.org/presentationml/2006/main">
+  <p:cSld>
+    <p:spTree>
+      <p:nvGrpSpPr>
+        <p:cNvPr id="1" name=""/>
+        <p:cNvGrpSpPr/>
+        <p:nvPr/>
+      </p:nvGrpSpPr>
+      <p:grpSpPr>
+        <a:xfrm>
+          <a:off x="0" y="0"/>
+          <a:ext cx="0" cy="0"/>
+          <a:chOff x="0" y="0"/>
+          <a:chExt cx="0" cy="0"/>
+        </a:xfrm>
+      </p:grpSpPr>
+      <p:sp>
+        <p:nvSpPr>
+          <p:cNvPr id="3" name="TextBox 2">
+            <a:extLst>
+              <a:ext uri="{FF2B5EF4-FFF2-40B4-BE49-F238E27FC236}">
+                <a16:creationId xmlns:a16="http://schemas.microsoft.com/office/drawing/2014/main" id="{69724995-C61B-4B26-6EE1-6A9F6EA63F59}"/>
+              </a:ext>
+            </a:extLst>
+          </p:cNvPr>
+          <p:cNvSpPr txBox="1"/>
+          <p:nvPr/>
+        </p:nvSpPr>
+        <p:spPr>
+          <a:xfrm>
+            <a:off x="5283200" y="1959570"/>
+            <a:ext cx="6096000" cy="923330"/>
+          </a:xfrm>
+          <a:prstGeom prst="rect">
+            <a:avLst/>
+          </a:prstGeom>
+          <a:noFill/>
+        </p:spPr>
+        <p:txBody>
+          <a:bodyPr wrap="square">
+            <a:spAutoFit/>
+          </a:bodyPr>
+          <a:lstStyle/>
+          <a:p>
+            <a:pPr algn="l"/>
+            <a:r>
+              <a:rPr lang="ko-KR" altLang="en-US" b="0" i="0" dirty="0" err="1">
+                <a:effectLst/>
+                <a:latin typeface="__fkGroteskNeue_598ab8"/>
+              </a:rPr>
+              <a:t>트로팅</a:t>
+            </a:r>
+            <a:r>
+              <a:rPr lang="ko-KR" altLang="en-US" b="0" i="0" dirty="0">
+                <a:effectLst/>
+                <a:latin typeface="__fkGroteskNeue_598ab8"/>
+              </a:rPr>
+              <a:t> </a:t>
+            </a:r>
+            <a:r>
+              <a:rPr lang="en-US" altLang="ko-KR" b="0" i="0" dirty="0">
+                <a:effectLst/>
+                <a:latin typeface="__fkGroteskNeue_598ab8"/>
+              </a:rPr>
+              <a:t>gait (Trotting gait):</a:t>
+            </a:r>
+          </a:p>
+          <a:p>
+            <a:pPr algn="l"/>
+            <a:r>
+              <a:rPr lang="ko-KR" altLang="en-US" b="0" i="0" dirty="0">
+                <a:effectLst/>
+                <a:latin typeface="__fkGroteskNeue_598ab8"/>
+              </a:rPr>
+              <a:t>대각선 방향의 두 다리가 쌍을 이루어 번갈아 움직임</a:t>
+            </a:r>
+            <a:endParaRPr lang="en-US" altLang="ko-KR" b="0" i="0" dirty="0">
+              <a:effectLst/>
+              <a:latin typeface="__fkGroteskNeue_598ab8"/>
+            </a:endParaRPr>
+          </a:p>
+          <a:p>
+            <a:pPr algn="l"/>
+            <a:r>
+              <a:rPr lang="ko-KR" altLang="en-US" b="0" i="0" dirty="0">
+                <a:effectLst/>
+                <a:latin typeface="__fkGroteskNeue_598ab8"/>
+              </a:rPr>
+              <a:t>무게중심 제어가 용이하여 </a:t>
+            </a:r>
+            <a:r>
+              <a:rPr lang="ko-KR" altLang="en-US" b="0" i="0" dirty="0" err="1">
+                <a:effectLst/>
+                <a:latin typeface="__fkGroteskNeue_598ab8"/>
+              </a:rPr>
+              <a:t>사족보행로봇에서</a:t>
+            </a:r>
+            <a:r>
+              <a:rPr lang="ko-KR" altLang="en-US" b="0" i="0" dirty="0">
+                <a:effectLst/>
+                <a:latin typeface="__fkGroteskNeue_598ab8"/>
+              </a:rPr>
+              <a:t> 자주 사용</a:t>
+            </a:r>
+            <a:endParaRPr lang="en-US" altLang="ko-KR" b="0" i="0" u="none" strike="noStrike" dirty="0">
+              <a:effectLst/>
+              <a:latin typeface="var(--font-berkeley-mono)"/>
+              <a:hlinkClick r:id="rId2"/>
+            </a:endParaRPr>
+          </a:p>
+        </p:txBody>
+      </p:sp>
+      <p:pic>
+        <p:nvPicPr>
+          <p:cNvPr id="5124" name="Picture 4" descr="link.springer.com">
+            <a:extLst>
+              <a:ext uri="{FF2B5EF4-FFF2-40B4-BE49-F238E27FC236}">
+                <a16:creationId xmlns:a16="http://schemas.microsoft.com/office/drawing/2014/main" id="{80C7A3C7-520A-87BA-02E5-C6CC694A296B}"/>
+              </a:ext>
+            </a:extLst>
+          </p:cNvPr>
+          <p:cNvPicPr>
+            <a:picLocks noChangeAspect="1" noChangeArrowheads="1"/>
+          </p:cNvPicPr>
+          <p:nvPr/>
+        </p:nvPicPr>
+        <p:blipFill>
+          <a:blip r:embed="rId3">
+            <a:extLst>
+              <a:ext uri="{28A0092B-C50C-407E-A947-70E740481C1C}">
+                <a14:useLocalDpi xmlns:a14="http://schemas.microsoft.com/office/drawing/2010/main" val="0"/>
+              </a:ext>
+            </a:extLst>
+          </a:blip>
+          <a:srcRect/>
+          <a:stretch>
+            <a:fillRect/>
+          </a:stretch>
+        </p:blipFill>
+        <p:spPr bwMode="auto">
+          <a:xfrm>
+            <a:off x="656870" y="1728999"/>
+            <a:ext cx="4308429" cy="2880672"/>
+          </a:xfrm>
+          <a:prstGeom prst="rect">
+            <a:avLst/>
+          </a:prstGeom>
+          <a:noFill/>
+          <a:extLst>
+            <a:ext uri="{909E8E84-426E-40DD-AFC4-6F175D3DCCD1}">
+              <a14:hiddenFill xmlns:a14="http://schemas.microsoft.com/office/drawing/2010/main">
+                <a:solidFill>
+                  <a:srgbClr val="FFFFFF"/>
+                </a:solidFill>
+              </a14:hiddenFill>
+            </a:ext>
+          </a:extLst>
+        </p:spPr>
+      </p:pic>
+      <p:sp>
+        <p:nvSpPr>
+          <p:cNvPr id="5" name="TextBox 4">
+            <a:extLst>
+              <a:ext uri="{FF2B5EF4-FFF2-40B4-BE49-F238E27FC236}">
+                <a16:creationId xmlns:a16="http://schemas.microsoft.com/office/drawing/2014/main" id="{55C22E72-0345-1D42-3B62-9C948050E555}"/>
+              </a:ext>
+            </a:extLst>
+          </p:cNvPr>
+          <p:cNvSpPr txBox="1"/>
+          <p:nvPr/>
+        </p:nvSpPr>
+        <p:spPr>
+          <a:xfrm>
+            <a:off x="5283200" y="3260636"/>
+            <a:ext cx="6096000" cy="1200329"/>
+          </a:xfrm>
+          <a:prstGeom prst="rect">
+            <a:avLst/>
+          </a:prstGeom>
+          <a:noFill/>
+        </p:spPr>
+        <p:txBody>
+          <a:bodyPr wrap="square">
+            <a:spAutoFit/>
+          </a:bodyPr>
+          <a:lstStyle/>
+          <a:p>
+            <a:pPr algn="l"/>
+            <a:r>
+              <a:rPr lang="en-US" altLang="ko-KR" b="0" i="0" dirty="0">
+                <a:effectLst/>
+                <a:latin typeface="__fkGroteskNeue_598ab8"/>
+              </a:rPr>
+              <a:t>gallop (</a:t>
+            </a:r>
+            <a:r>
+              <a:rPr lang="ko-KR" altLang="en-US" b="0" i="0" dirty="0">
+                <a:effectLst/>
+                <a:latin typeface="__fkGroteskNeue_598ab8"/>
+              </a:rPr>
+              <a:t> 갤럽</a:t>
+            </a:r>
+            <a:r>
+              <a:rPr lang="en-US" altLang="ko-KR" b="0" i="0" dirty="0">
+                <a:effectLst/>
+                <a:latin typeface="__fkGroteskNeue_598ab8"/>
+              </a:rPr>
+              <a:t>):</a:t>
+            </a:r>
+          </a:p>
+          <a:p>
+            <a:pPr algn="l"/>
+            <a:r>
+              <a:rPr lang="ko-KR" altLang="en-US" dirty="0">
+                <a:latin typeface="__fkGroteskNeue_598ab8"/>
+              </a:rPr>
+              <a:t>말</a:t>
+            </a:r>
+            <a:r>
+              <a:rPr lang="ko-KR" altLang="en-US" b="0" i="0" dirty="0">
+                <a:effectLst/>
+                <a:latin typeface="__fkGroteskNeue_598ab8"/>
+              </a:rPr>
+              <a:t>과 같은 대형 동물에서 주로 관찰됩니다</a:t>
+            </a:r>
+            <a:r>
+              <a:rPr lang="en-US" altLang="ko-KR" b="0" i="0" dirty="0">
+                <a:effectLst/>
+                <a:latin typeface="__fkGroteskNeue_598ab8"/>
+              </a:rPr>
+              <a:t>.</a:t>
+            </a:r>
+          </a:p>
+          <a:p>
+            <a:pPr algn="l"/>
+            <a:r>
+              <a:rPr lang="ko-KR" altLang="en-US" b="0" i="0" dirty="0">
+                <a:effectLst/>
+                <a:latin typeface="__fkGroteskNeue_598ab8"/>
+              </a:rPr>
+              <a:t>발의 순서</a:t>
+            </a:r>
+            <a:r>
+              <a:rPr lang="en-US" altLang="ko-KR" b="0" i="0" dirty="0">
+                <a:effectLst/>
+                <a:latin typeface="__fkGroteskNeue_598ab8"/>
+              </a:rPr>
+              <a:t>: </a:t>
+            </a:r>
+            <a:r>
+              <a:rPr lang="ko-KR" altLang="en-US" b="0" i="0" dirty="0">
+                <a:effectLst/>
+                <a:latin typeface="__fkGroteskNeue_598ab8"/>
+              </a:rPr>
+              <a:t>왼쪽 뒷발 → 오른쪽 뒷발 → 왼쪽 앞발 → 오른쪽 앞발</a:t>
+            </a:r>
+          </a:p>
+        </p:txBody>
+      </p:sp>
+      <p:sp>
+        <p:nvSpPr>
+          <p:cNvPr id="9" name="TextBox 8">
+            <a:extLst>
+              <a:ext uri="{FF2B5EF4-FFF2-40B4-BE49-F238E27FC236}">
+                <a16:creationId xmlns:a16="http://schemas.microsoft.com/office/drawing/2014/main" id="{6E4B30A2-0B95-B2F4-6F70-66FA8A574539}"/>
+              </a:ext>
+            </a:extLst>
+          </p:cNvPr>
+          <p:cNvSpPr txBox="1"/>
+          <p:nvPr/>
+        </p:nvSpPr>
+        <p:spPr>
+          <a:xfrm>
+            <a:off x="5283200" y="4606407"/>
+            <a:ext cx="6096000" cy="369332"/>
+          </a:xfrm>
+          <a:prstGeom prst="rect">
+            <a:avLst/>
+          </a:prstGeom>
+          <a:noFill/>
+        </p:spPr>
+        <p:txBody>
+          <a:bodyPr wrap="square">
+            <a:spAutoFit/>
+          </a:bodyPr>
+          <a:lstStyle/>
+          <a:p>
+            <a:r>
+              <a:rPr lang="ko-KR" altLang="en-US" dirty="0"/>
+              <a:t>https://youtu.be/83ULlgpT1UQ?si=5HH_yTlDumgRCLjK</a:t>
+            </a:r>
+          </a:p>
+        </p:txBody>
+      </p:sp>
+      <p:sp>
+        <p:nvSpPr>
+          <p:cNvPr id="7" name="TextBox 6">
+            <a:extLst>
+              <a:ext uri="{FF2B5EF4-FFF2-40B4-BE49-F238E27FC236}">
+                <a16:creationId xmlns:a16="http://schemas.microsoft.com/office/drawing/2014/main" id="{F6CD0131-9B06-3366-3D71-FC46311406E2}"/>
+              </a:ext>
+            </a:extLst>
+          </p:cNvPr>
+          <p:cNvSpPr txBox="1"/>
+          <p:nvPr/>
+        </p:nvSpPr>
+        <p:spPr>
+          <a:xfrm>
+            <a:off x="5232400" y="1444796"/>
+            <a:ext cx="6096000" cy="369332"/>
+          </a:xfrm>
+          <a:prstGeom prst="rect">
+            <a:avLst/>
+          </a:prstGeom>
+          <a:noFill/>
+        </p:spPr>
+        <p:txBody>
+          <a:bodyPr wrap="square">
+            <a:spAutoFit/>
+          </a:bodyPr>
+          <a:lstStyle/>
+          <a:p>
+            <a:r>
+              <a:rPr lang="ko-KR" altLang="en-US" dirty="0"/>
+              <a:t>https://youtu.be/OYYl7JmzM4Y?si=EMjdEdYjURvEQ_Sv</a:t>
+            </a:r>
+          </a:p>
+        </p:txBody>
+      </p:sp>
+    </p:spTree>
+    <p:extLst>
+      <p:ext uri="{BB962C8B-B14F-4D97-AF65-F5344CB8AC3E}">
+        <p14:creationId xmlns:p14="http://schemas.microsoft.com/office/powerpoint/2010/main" val="2799584986"/>
+      </p:ext>
+    </p:extLst>
+  </p:cSld>
+  <p:clrMapOvr>
+    <a:masterClrMapping/>
+  </p:clrMapOvr>
+</p:sld>
+</file>
+
+<file path=ppt/slides/slide4.xml><?xml version="1.0" encoding="utf-8"?>
+<p:sld xmlns:a="http://schemas.openxmlformats.org/drawingml/2006/main" xmlns:r="http://schemas.openxmlformats.org/officeDocument/2006/relationships" xmlns:p="http://schemas.openxmlformats.org/presentationml/2006/main">
+  <p:cSld>
+    <p:spTree>
+      <p:nvGrpSpPr>
+        <p:cNvPr id="1" name="">
+          <a:extLst>
+            <a:ext uri="{FF2B5EF4-FFF2-40B4-BE49-F238E27FC236}">
+              <a16:creationId xmlns:a16="http://schemas.microsoft.com/office/drawing/2014/main" id="{04E6A23D-EFCE-3687-3FFA-C5AC30BC0D15}"/>
+            </a:ext>
+          </a:extLst>
+        </p:cNvPr>
+        <p:cNvGrpSpPr/>
+        <p:nvPr/>
+      </p:nvGrpSpPr>
+      <p:grpSpPr>
+        <a:xfrm>
+          <a:off x="0" y="0"/>
+          <a:ext cx="0" cy="0"/>
+          <a:chOff x="0" y="0"/>
+          <a:chExt cx="0" cy="0"/>
+        </a:xfrm>
+      </p:grpSpPr>
+      <p:sp>
+        <p:nvSpPr>
+          <p:cNvPr id="2" name="제목 1">
+            <a:extLst>
+              <a:ext uri="{FF2B5EF4-FFF2-40B4-BE49-F238E27FC236}">
+                <a16:creationId xmlns:a16="http://schemas.microsoft.com/office/drawing/2014/main" id="{CE78392D-AD8D-AF04-CC69-3D9CD9C7BABD}"/>
+              </a:ext>
+            </a:extLst>
+          </p:cNvPr>
+          <p:cNvSpPr>
+            <a:spLocks noGrp="1"/>
+          </p:cNvSpPr>
+          <p:nvPr>
+            <p:ph type="ctrTitle"/>
+          </p:nvPr>
+        </p:nvSpPr>
+        <p:spPr/>
+        <p:txBody>
+          <a:bodyPr/>
+          <a:lstStyle/>
+          <a:p>
+            <a:r>
+              <a:rPr lang="ko-KR" altLang="en-US" dirty="0"/>
+              <a:t>토픽</a:t>
+            </a:r>
+          </a:p>
+        </p:txBody>
+      </p:sp>
+      <p:sp>
+        <p:nvSpPr>
+          <p:cNvPr id="3" name="부제목 2">
+            <a:extLst>
+              <a:ext uri="{FF2B5EF4-FFF2-40B4-BE49-F238E27FC236}">
+                <a16:creationId xmlns:a16="http://schemas.microsoft.com/office/drawing/2014/main" id="{9BD5FB63-336F-5DFA-1D99-9F3B389549C6}"/>
+              </a:ext>
+            </a:extLst>
+          </p:cNvPr>
+          <p:cNvSpPr>
+            <a:spLocks noGrp="1"/>
+          </p:cNvSpPr>
+          <p:nvPr>
+            <p:ph type="subTitle" idx="1"/>
+          </p:nvPr>
+        </p:nvSpPr>
+        <p:spPr/>
+        <p:txBody>
+          <a:bodyPr/>
+          <a:lstStyle/>
+          <a:p>
+            <a:endParaRPr lang="ko-KR" altLang="en-US"/>
+          </a:p>
+        </p:txBody>
+      </p:sp>
+    </p:spTree>
+    <p:extLst>
+      <p:ext uri="{BB962C8B-B14F-4D97-AF65-F5344CB8AC3E}">
+        <p14:creationId xmlns:p14="http://schemas.microsoft.com/office/powerpoint/2010/main" val="1612583078"/>
+      </p:ext>
+    </p:extLst>
+  </p:cSld>
+  <p:clrMapOvr>
+    <a:masterClrMapping/>
+  </p:clrMapOvr>
+</p:sld>
+</file>
+
+<file path=ppt/slides/slide5.xml><?xml version="1.0" encoding="utf-8"?>
+<p:sld xmlns:a="http://schemas.openxmlformats.org/drawingml/2006/main" xmlns:r="http://schemas.openxmlformats.org/officeDocument/2006/relationships" xmlns:p="http://schemas.openxmlformats.org/presentationml/2006/main">
+  <p:cSld>
+    <p:spTree>
+      <p:nvGrpSpPr>
+        <p:cNvPr id="1" name=""/>
+        <p:cNvGrpSpPr/>
+        <p:nvPr/>
+      </p:nvGrpSpPr>
+      <p:grpSpPr>
+        <a:xfrm>
+          <a:off x="0" y="0"/>
+          <a:ext cx="0" cy="0"/>
+          <a:chOff x="0" y="0"/>
+          <a:chExt cx="0" cy="0"/>
+        </a:xfrm>
+      </p:grpSpPr>
+      <p:pic>
+        <p:nvPicPr>
+          <p:cNvPr id="3074" name="Picture 2">
+            <a:extLst>
+              <a:ext uri="{FF2B5EF4-FFF2-40B4-BE49-F238E27FC236}">
+                <a16:creationId xmlns:a16="http://schemas.microsoft.com/office/drawing/2014/main" id="{2425C8DC-C295-04DD-3F97-6FC8554F4145}"/>
+              </a:ext>
+            </a:extLst>
+          </p:cNvPr>
+          <p:cNvPicPr>
+            <a:picLocks noChangeAspect="1" noChangeArrowheads="1"/>
+          </p:cNvPicPr>
+          <p:nvPr/>
+        </p:nvPicPr>
+        <p:blipFill>
+          <a:blip r:embed="rId2">
+            <a:extLst>
+              <a:ext uri="{28A0092B-C50C-407E-A947-70E740481C1C}">
+                <a14:useLocalDpi xmlns:a14="http://schemas.microsoft.com/office/drawing/2010/main" val="0"/>
+              </a:ext>
+            </a:extLst>
+          </a:blip>
+          <a:srcRect/>
+          <a:stretch>
+            <a:fillRect/>
+          </a:stretch>
+        </p:blipFill>
+        <p:spPr bwMode="auto">
+          <a:xfrm>
+            <a:off x="0" y="0"/>
+            <a:ext cx="12192000" cy="6858000"/>
+          </a:xfrm>
+          <a:prstGeom prst="rect">
+            <a:avLst/>
+          </a:prstGeom>
+          <a:noFill/>
+          <a:extLst>
+            <a:ext uri="{909E8E84-426E-40DD-AFC4-6F175D3DCCD1}">
+              <a14:hiddenFill xmlns:a14="http://schemas.microsoft.com/office/drawing/2010/main">
+                <a:solidFill>
+                  <a:srgbClr val="FFFFFF"/>
+                </a:solidFill>
+              </a14:hiddenFill>
+            </a:ext>
+          </a:extLst>
+        </p:spPr>
+      </p:pic>
+      <p:sp>
+        <p:nvSpPr>
+          <p:cNvPr id="2" name="직사각형 1">
+            <a:extLst>
+              <a:ext uri="{FF2B5EF4-FFF2-40B4-BE49-F238E27FC236}">
+                <a16:creationId xmlns:a16="http://schemas.microsoft.com/office/drawing/2014/main" id="{E164B1AB-87B1-9EF6-8DAE-782917EA390C}"/>
+              </a:ext>
+            </a:extLst>
+          </p:cNvPr>
+          <p:cNvSpPr/>
+          <p:nvPr/>
+        </p:nvSpPr>
+        <p:spPr>
+          <a:xfrm>
+            <a:off x="539087" y="2845558"/>
+            <a:ext cx="5404513" cy="3480179"/>
+          </a:xfrm>
+          <a:prstGeom prst="rect">
+            <a:avLst/>
+          </a:prstGeom>
+          <a:noFill/>
+          <a:ln w="38100">
+            <a:solidFill>
+              <a:srgbClr val="FF0000"/>
+            </a:solidFill>
+            <a:prstDash val="lgDash"/>
+          </a:ln>
+        </p:spPr>
+        <p:style>
+          <a:lnRef idx="2">
+            <a:schemeClr val="accent1">
+              <a:shade val="15000"/>
+            </a:schemeClr>
+          </a:lnRef>
+          <a:fillRef idx="1">
+            <a:schemeClr val="accent1"/>
+          </a:fillRef>
+          <a:effectRef idx="0">
+            <a:schemeClr val="accent1"/>
+          </a:effectRef>
+          <a:fontRef idx="minor">
+            <a:schemeClr val="lt1"/>
+          </a:fontRef>
+        </p:style>
+        <p:txBody>
+          <a:bodyPr rtlCol="0" anchor="ctr"/>
+          <a:lstStyle/>
+          <a:p>
+            <a:pPr algn="ctr"/>
+            <a:endParaRPr lang="ko-KR" altLang="en-US"/>
+          </a:p>
+        </p:txBody>
+      </p:sp>
+      <p:sp>
+        <p:nvSpPr>
+          <p:cNvPr id="3" name="직사각형 2">
+            <a:extLst>
+              <a:ext uri="{FF2B5EF4-FFF2-40B4-BE49-F238E27FC236}">
+                <a16:creationId xmlns:a16="http://schemas.microsoft.com/office/drawing/2014/main" id="{9AF603A6-ECF5-7921-ADA7-675943CFE427}"/>
+              </a:ext>
+            </a:extLst>
+          </p:cNvPr>
+          <p:cNvSpPr/>
+          <p:nvPr/>
+        </p:nvSpPr>
+        <p:spPr>
+          <a:xfrm>
+            <a:off x="7086600" y="4552950"/>
+            <a:ext cx="1651000" cy="959987"/>
+          </a:xfrm>
+          <a:prstGeom prst="rect">
+            <a:avLst/>
+          </a:prstGeom>
+          <a:noFill/>
+          <a:ln w="38100">
+            <a:solidFill>
+              <a:srgbClr val="FF0000"/>
+            </a:solidFill>
+            <a:prstDash val="lgDash"/>
+          </a:ln>
+        </p:spPr>
+        <p:style>
+          <a:lnRef idx="2">
+            <a:schemeClr val="accent1">
+              <a:shade val="15000"/>
+            </a:schemeClr>
+          </a:lnRef>
+          <a:fillRef idx="1">
+            <a:schemeClr val="accent1"/>
+          </a:fillRef>
+          <a:effectRef idx="0">
+            <a:schemeClr val="accent1"/>
+          </a:effectRef>
+          <a:fontRef idx="minor">
+            <a:schemeClr val="lt1"/>
+          </a:fontRef>
+        </p:style>
+        <p:txBody>
+          <a:bodyPr rtlCol="0" anchor="ctr"/>
+          <a:lstStyle/>
+          <a:p>
+            <a:pPr algn="ctr"/>
+            <a:endParaRPr lang="ko-KR" altLang="en-US"/>
+          </a:p>
+        </p:txBody>
+      </p:sp>
+    </p:spTree>
+    <p:extLst>
+      <p:ext uri="{BB962C8B-B14F-4D97-AF65-F5344CB8AC3E}">
+        <p14:creationId xmlns:p14="http://schemas.microsoft.com/office/powerpoint/2010/main" val="974326214"/>
+      </p:ext>
+    </p:extLst>
+  </p:cSld>
+  <p:clrMapOvr>
+    <a:masterClrMapping/>
+  </p:clrMapOvr>
+</p:sld>
+</file>
+
+<file path=ppt/slides/slide6.xml><?xml version="1.0" encoding="utf-8"?>
+<p:sld xmlns:a="http://schemas.openxmlformats.org/drawingml/2006/main" xmlns:r="http://schemas.openxmlformats.org/officeDocument/2006/relationships" xmlns:p="http://schemas.openxmlformats.org/presentationml/2006/main">
+  <p:cSld>
+    <p:spTree>
+      <p:nvGrpSpPr>
+        <p:cNvPr id="1" name=""/>
+        <p:cNvGrpSpPr/>
+        <p:nvPr/>
+      </p:nvGrpSpPr>
+      <p:grpSpPr>
+        <a:xfrm>
+          <a:off x="0" y="0"/>
+          <a:ext cx="0" cy="0"/>
+          <a:chOff x="0" y="0"/>
+          <a:chExt cx="0" cy="0"/>
+        </a:xfrm>
+      </p:grpSpPr>
+      <p:pic>
+        <p:nvPicPr>
+          <p:cNvPr id="9" name="그림 8" descr="전자제품, 드라이브, 디자인이(가) 표시된 사진&#10;&#10;자동 생성된 설명">
+            <a:extLst>
+              <a:ext uri="{FF2B5EF4-FFF2-40B4-BE49-F238E27FC236}">
+                <a16:creationId xmlns:a16="http://schemas.microsoft.com/office/drawing/2014/main" id="{8D9315B3-C556-FF10-779A-E885E9EBB454}"/>
+              </a:ext>
+            </a:extLst>
+          </p:cNvPr>
+          <p:cNvPicPr>
+            <a:picLocks noChangeAspect="1"/>
+          </p:cNvPicPr>
+          <p:nvPr/>
+        </p:nvPicPr>
+        <p:blipFill>
+          <a:blip r:embed="rId2">
+            <a:extLst>
+              <a:ext uri="{28A0092B-C50C-407E-A947-70E740481C1C}">
+                <a14:useLocalDpi xmlns:a14="http://schemas.microsoft.com/office/drawing/2010/main" val="0"/>
+              </a:ext>
+            </a:extLst>
+          </a:blip>
+          <a:stretch>
+            <a:fillRect/>
+          </a:stretch>
+        </p:blipFill>
+        <p:spPr>
+          <a:xfrm>
+            <a:off x="956398" y="1805061"/>
+            <a:ext cx="3703092" cy="2079286"/>
+          </a:xfrm>
+          <a:prstGeom prst="rect">
+            <a:avLst/>
+          </a:prstGeom>
+        </p:spPr>
+      </p:pic>
+      <p:sp>
+        <p:nvSpPr>
+          <p:cNvPr id="10" name="TextBox 9">
+            <a:extLst>
+              <a:ext uri="{FF2B5EF4-FFF2-40B4-BE49-F238E27FC236}">
+                <a16:creationId xmlns:a16="http://schemas.microsoft.com/office/drawing/2014/main" id="{80E053B7-19BB-DA39-3F11-E78E401367C1}"/>
+              </a:ext>
+            </a:extLst>
+          </p:cNvPr>
+          <p:cNvSpPr txBox="1"/>
+          <p:nvPr/>
+        </p:nvSpPr>
+        <p:spPr>
+          <a:xfrm>
+            <a:off x="7758251" y="2453186"/>
+            <a:ext cx="3028906" cy="2308324"/>
+          </a:xfrm>
+          <a:prstGeom prst="rect">
+            <a:avLst/>
+          </a:prstGeom>
+          <a:noFill/>
+          <a:ln>
+            <a:solidFill>
+              <a:schemeClr val="accent1"/>
+            </a:solidFill>
+          </a:ln>
+        </p:spPr>
+        <p:txBody>
+          <a:bodyPr wrap="square" rtlCol="0">
+            <a:spAutoFit/>
+          </a:bodyPr>
+          <a:lstStyle/>
+          <a:p>
+            <a:r>
+              <a:rPr lang="en-US" altLang="ko-KR" dirty="0"/>
+              <a:t>/color/</a:t>
+            </a:r>
+            <a:r>
+              <a:rPr lang="en-US" altLang="ko-KR" dirty="0" err="1"/>
+              <a:t>camera_info</a:t>
+            </a:r>
+            <a:endParaRPr lang="en-US" altLang="ko-KR" dirty="0"/>
+          </a:p>
+          <a:p>
+            <a:r>
+              <a:rPr lang="en-US" altLang="ko-KR" dirty="0"/>
+              <a:t>/color/</a:t>
+            </a:r>
+            <a:r>
+              <a:rPr lang="en-US" altLang="ko-KR" dirty="0" err="1"/>
+              <a:t>image_raw</a:t>
+            </a:r>
+            <a:endParaRPr lang="en-US" altLang="ko-KR" dirty="0"/>
+          </a:p>
+          <a:p>
+            <a:r>
+              <a:rPr lang="en-US" altLang="ko-KR" dirty="0"/>
+              <a:t>/color/metadata</a:t>
+            </a:r>
+          </a:p>
+          <a:p>
+            <a:r>
+              <a:rPr lang="en-US" altLang="ko-KR" dirty="0"/>
+              <a:t>/depth/</a:t>
+            </a:r>
+            <a:r>
+              <a:rPr lang="en-US" altLang="ko-KR" dirty="0" err="1"/>
+              <a:t>camera_info</a:t>
+            </a:r>
+            <a:endParaRPr lang="en-US" altLang="ko-KR" dirty="0"/>
+          </a:p>
+          <a:p>
+            <a:r>
+              <a:rPr lang="en-US" altLang="ko-KR" dirty="0"/>
+              <a:t>/depth/</a:t>
+            </a:r>
+            <a:r>
+              <a:rPr lang="en-US" altLang="ko-KR" dirty="0" err="1"/>
+              <a:t>image_rect_raw</a:t>
+            </a:r>
+            <a:endParaRPr lang="en-US" altLang="ko-KR" dirty="0"/>
+          </a:p>
+          <a:p>
+            <a:r>
+              <a:rPr lang="en-US" altLang="ko-KR" dirty="0"/>
+              <a:t>/depth/metadata/</a:t>
+            </a:r>
+          </a:p>
+          <a:p>
+            <a:r>
+              <a:rPr lang="en-US" altLang="ko-KR" dirty="0"/>
+              <a:t>/</a:t>
+            </a:r>
+            <a:r>
+              <a:rPr lang="en-US" altLang="ko-KR" dirty="0" err="1"/>
+              <a:t>extrinsics</a:t>
+            </a:r>
+            <a:r>
+              <a:rPr lang="en-US" altLang="ko-KR" dirty="0"/>
+              <a:t>/</a:t>
+            </a:r>
+            <a:r>
+              <a:rPr lang="en-US" altLang="ko-KR" dirty="0" err="1"/>
+              <a:t>depth_to_color</a:t>
+            </a:r>
+            <a:endParaRPr lang="en-US" altLang="ko-KR" dirty="0"/>
+          </a:p>
+          <a:p>
+            <a:r>
+              <a:rPr lang="en-US" altLang="ko-KR" dirty="0"/>
+              <a:t>/imu</a:t>
+            </a:r>
+          </a:p>
+        </p:txBody>
+      </p:sp>
+      <p:sp>
+        <p:nvSpPr>
+          <p:cNvPr id="26" name="TextBox 25">
+            <a:extLst>
+              <a:ext uri="{FF2B5EF4-FFF2-40B4-BE49-F238E27FC236}">
+                <a16:creationId xmlns:a16="http://schemas.microsoft.com/office/drawing/2014/main" id="{C8AD96E3-E7A4-A813-E7A2-74E4DFD84258}"/>
+              </a:ext>
+            </a:extLst>
+          </p:cNvPr>
+          <p:cNvSpPr txBox="1"/>
+          <p:nvPr/>
+        </p:nvSpPr>
+        <p:spPr>
+          <a:xfrm>
+            <a:off x="0" y="6488668"/>
+            <a:ext cx="6094878" cy="369332"/>
+          </a:xfrm>
+          <a:prstGeom prst="rect">
+            <a:avLst/>
+          </a:prstGeom>
+          <a:noFill/>
+        </p:spPr>
+        <p:txBody>
+          <a:bodyPr wrap="square">
+            <a:spAutoFit/>
+          </a:bodyPr>
+          <a:lstStyle/>
+          <a:p>
+            <a:r>
+              <a:rPr lang="ko-KR" altLang="en-US" dirty="0"/>
+              <a:t>https://github.com/IntelRealSense/realsense-ros</a:t>
+            </a:r>
+          </a:p>
+        </p:txBody>
+      </p:sp>
+      <p:sp>
+        <p:nvSpPr>
+          <p:cNvPr id="29" name="TextBox 28">
+            <a:extLst>
+              <a:ext uri="{FF2B5EF4-FFF2-40B4-BE49-F238E27FC236}">
+                <a16:creationId xmlns:a16="http://schemas.microsoft.com/office/drawing/2014/main" id="{556A8154-05DF-0BD8-06C1-D1772E2394C4}"/>
+              </a:ext>
+            </a:extLst>
+          </p:cNvPr>
+          <p:cNvSpPr txBox="1"/>
+          <p:nvPr/>
+        </p:nvSpPr>
+        <p:spPr>
+          <a:xfrm>
+            <a:off x="1532986" y="4181133"/>
+            <a:ext cx="2380108" cy="369332"/>
+          </a:xfrm>
+          <a:prstGeom prst="rect">
+            <a:avLst/>
+          </a:prstGeom>
+          <a:noFill/>
+          <a:ln>
+            <a:solidFill>
+              <a:schemeClr val="accent1"/>
+            </a:solidFill>
+          </a:ln>
+        </p:spPr>
+        <p:txBody>
+          <a:bodyPr wrap="square" rtlCol="0">
+            <a:spAutoFit/>
+          </a:bodyPr>
+          <a:lstStyle/>
+          <a:p>
+            <a:r>
+              <a:rPr lang="en-US" altLang="ko-KR" dirty="0"/>
+              <a:t>Intel D435i</a:t>
+            </a:r>
+          </a:p>
+        </p:txBody>
+      </p:sp>
+    </p:spTree>
+    <p:extLst>
+      <p:ext uri="{BB962C8B-B14F-4D97-AF65-F5344CB8AC3E}">
+        <p14:creationId xmlns:p14="http://schemas.microsoft.com/office/powerpoint/2010/main" val="2521833280"/>
+      </p:ext>
+    </p:extLst>
+  </p:cSld>
+  <p:clrMapOvr>
+    <a:masterClrMapping/>
+  </p:clrMapOvr>
+</p:sld>
+</file>
+
+<file path=ppt/slides/slide7.xml><?xml version="1.0" encoding="utf-8"?>
+<p:sld xmlns:a="http://schemas.openxmlformats.org/drawingml/2006/main" xmlns:r="http://schemas.openxmlformats.org/officeDocument/2006/relationships" xmlns:p="http://schemas.openxmlformats.org/presentationml/2006/main">
+  <p:cSld>
+    <p:spTree>
+      <p:nvGrpSpPr>
+        <p:cNvPr id="1" name="">
+          <a:extLst>
+            <a:ext uri="{FF2B5EF4-FFF2-40B4-BE49-F238E27FC236}">
+              <a16:creationId xmlns:a16="http://schemas.microsoft.com/office/drawing/2014/main" id="{1446F64A-EE90-D99D-2DA3-4479ABAA8E2F}"/>
+            </a:ext>
+          </a:extLst>
+        </p:cNvPr>
+        <p:cNvGrpSpPr/>
+        <p:nvPr/>
+      </p:nvGrpSpPr>
+      <p:grpSpPr>
+        <a:xfrm>
+          <a:off x="0" y="0"/>
+          <a:ext cx="0" cy="0"/>
+          <a:chOff x="0" y="0"/>
+          <a:chExt cx="0" cy="0"/>
+        </a:xfrm>
+      </p:grpSpPr>
+      <p:pic>
+        <p:nvPicPr>
+          <p:cNvPr id="6" name="그림 5" descr="진공, 가전용품이(가) 표시된 사진&#10;&#10;자동 생성된 설명">
+            <a:extLst>
+              <a:ext uri="{FF2B5EF4-FFF2-40B4-BE49-F238E27FC236}">
+                <a16:creationId xmlns:a16="http://schemas.microsoft.com/office/drawing/2014/main" id="{6D4347C2-E1C8-1116-8299-6CD758659AF0}"/>
+              </a:ext>
+            </a:extLst>
+          </p:cNvPr>
+          <p:cNvPicPr>
+            <a:picLocks noChangeAspect="1"/>
+          </p:cNvPicPr>
+          <p:nvPr/>
+        </p:nvPicPr>
+        <p:blipFill>
+          <a:blip r:embed="rId2">
+            <a:extLst>
+              <a:ext uri="{28A0092B-C50C-407E-A947-70E740481C1C}">
+                <a14:useLocalDpi xmlns:a14="http://schemas.microsoft.com/office/drawing/2010/main" val="0"/>
+              </a:ext>
+            </a:extLst>
+          </a:blip>
+          <a:srcRect l="21203" t="22432" r="21203" b="19974"/>
+          <a:stretch/>
+        </p:blipFill>
+        <p:spPr>
+          <a:xfrm>
+            <a:off x="1379086" y="1462344"/>
+            <a:ext cx="2380966" cy="2380966"/>
+          </a:xfrm>
+          <a:prstGeom prst="rect">
+            <a:avLst/>
+          </a:prstGeom>
+        </p:spPr>
+      </p:pic>
+      <p:sp>
+        <p:nvSpPr>
+          <p:cNvPr id="11" name="TextBox 10">
+            <a:extLst>
+              <a:ext uri="{FF2B5EF4-FFF2-40B4-BE49-F238E27FC236}">
+                <a16:creationId xmlns:a16="http://schemas.microsoft.com/office/drawing/2014/main" id="{456AF504-0658-03E1-BF00-D02122BD665C}"/>
+              </a:ext>
+            </a:extLst>
+          </p:cNvPr>
+          <p:cNvSpPr txBox="1"/>
+          <p:nvPr/>
+        </p:nvSpPr>
+        <p:spPr>
+          <a:xfrm>
+            <a:off x="1407671" y="4247621"/>
+            <a:ext cx="2323795" cy="369332"/>
+          </a:xfrm>
+          <a:prstGeom prst="rect">
+            <a:avLst/>
+          </a:prstGeom>
+          <a:noFill/>
+          <a:ln>
+            <a:solidFill>
+              <a:schemeClr val="accent1"/>
+            </a:solidFill>
+          </a:ln>
+        </p:spPr>
+        <p:txBody>
+          <a:bodyPr wrap="square" rtlCol="0">
+            <a:spAutoFit/>
+          </a:bodyPr>
+          <a:lstStyle/>
+          <a:p>
+            <a:r>
+              <a:rPr lang="en-US" altLang="ko-KR" dirty="0"/>
+              <a:t>Unitree Mid-360</a:t>
+            </a:r>
+          </a:p>
+        </p:txBody>
+      </p:sp>
+      <p:sp>
+        <p:nvSpPr>
+          <p:cNvPr id="22" name="TextBox 21">
+            <a:extLst>
+              <a:ext uri="{FF2B5EF4-FFF2-40B4-BE49-F238E27FC236}">
+                <a16:creationId xmlns:a16="http://schemas.microsoft.com/office/drawing/2014/main" id="{5FC12959-4319-3EC7-212F-25CEE80546A5}"/>
+              </a:ext>
+            </a:extLst>
+          </p:cNvPr>
+          <p:cNvSpPr txBox="1"/>
+          <p:nvPr/>
+        </p:nvSpPr>
+        <p:spPr>
+          <a:xfrm>
+            <a:off x="5215405" y="630936"/>
+            <a:ext cx="6094878" cy="2308324"/>
+          </a:xfrm>
+          <a:prstGeom prst="rect">
+            <a:avLst/>
+          </a:prstGeom>
+          <a:noFill/>
+        </p:spPr>
+        <p:txBody>
+          <a:bodyPr wrap="square">
+            <a:spAutoFit/>
+          </a:bodyPr>
+          <a:lstStyle/>
+          <a:p>
+            <a:r>
+              <a:rPr lang="en-GB" altLang="ko-KR" b="1" dirty="0" err="1"/>
+              <a:t>msg</a:t>
+            </a:r>
+            <a:r>
+              <a:rPr lang="en-GB" altLang="ko-KR" b="1" dirty="0"/>
+              <a:t>/CustomMsg.msg</a:t>
+            </a:r>
+            <a:endParaRPr lang="ko-KR" altLang="en-US" b="1" dirty="0"/>
+          </a:p>
+          <a:p>
+            <a:r>
+              <a:rPr lang="ko-KR" altLang="en-US" dirty="0" err="1"/>
+              <a:t>std_msgs</a:t>
+            </a:r>
+            <a:r>
+              <a:rPr lang="ko-KR" altLang="en-US" dirty="0"/>
+              <a:t>/</a:t>
+            </a:r>
+            <a:r>
+              <a:rPr lang="ko-KR" altLang="en-US" dirty="0" err="1"/>
+              <a:t>Header</a:t>
+            </a:r>
+            <a:r>
+              <a:rPr lang="ko-KR" altLang="en-US" dirty="0"/>
+              <a:t> </a:t>
+            </a:r>
+            <a:r>
+              <a:rPr lang="ko-KR" altLang="en-US" dirty="0" err="1"/>
+              <a:t>header</a:t>
+            </a:r>
+            <a:r>
+              <a:rPr lang="ko-KR" altLang="en-US" dirty="0"/>
+              <a:t>    # ROS </a:t>
+            </a:r>
+            <a:r>
+              <a:rPr lang="ko-KR" altLang="en-US" dirty="0" err="1"/>
+              <a:t>standard</a:t>
+            </a:r>
+            <a:r>
+              <a:rPr lang="ko-KR" altLang="en-US" dirty="0"/>
+              <a:t> </a:t>
+            </a:r>
+            <a:r>
+              <a:rPr lang="ko-KR" altLang="en-US" dirty="0" err="1"/>
+              <a:t>message</a:t>
+            </a:r>
+            <a:r>
+              <a:rPr lang="ko-KR" altLang="en-US" dirty="0"/>
+              <a:t> </a:t>
+            </a:r>
+            <a:r>
+              <a:rPr lang="ko-KR" altLang="en-US" dirty="0" err="1"/>
+              <a:t>header</a:t>
+            </a:r>
+            <a:endParaRPr lang="ko-KR" altLang="en-US" dirty="0"/>
+          </a:p>
+          <a:p>
+            <a:r>
+              <a:rPr lang="ko-KR" altLang="en-US" dirty="0"/>
+              <a:t>uint64 </a:t>
+            </a:r>
+            <a:r>
+              <a:rPr lang="ko-KR" altLang="en-US" dirty="0" err="1"/>
+              <a:t>timebase</a:t>
+            </a:r>
+            <a:r>
+              <a:rPr lang="ko-KR" altLang="en-US" dirty="0"/>
+              <a:t>           # The </a:t>
+            </a:r>
+            <a:r>
+              <a:rPr lang="ko-KR" altLang="en-US" dirty="0" err="1"/>
+              <a:t>time</a:t>
+            </a:r>
+            <a:r>
+              <a:rPr lang="ko-KR" altLang="en-US" dirty="0"/>
+              <a:t> of </a:t>
+            </a:r>
+            <a:r>
+              <a:rPr lang="ko-KR" altLang="en-US" dirty="0" err="1"/>
+              <a:t>first</a:t>
+            </a:r>
+            <a:r>
+              <a:rPr lang="ko-KR" altLang="en-US" dirty="0"/>
+              <a:t> </a:t>
+            </a:r>
+            <a:r>
+              <a:rPr lang="ko-KR" altLang="en-US" dirty="0" err="1"/>
+              <a:t>point</a:t>
+            </a:r>
+            <a:endParaRPr lang="ko-KR" altLang="en-US" dirty="0"/>
+          </a:p>
+          <a:p>
+            <a:r>
+              <a:rPr lang="ko-KR" altLang="en-US" dirty="0"/>
+              <a:t>uint32 </a:t>
+            </a:r>
+            <a:r>
+              <a:rPr lang="ko-KR" altLang="en-US" dirty="0" err="1"/>
+              <a:t>point_num</a:t>
+            </a:r>
+            <a:r>
+              <a:rPr lang="ko-KR" altLang="en-US" dirty="0"/>
+              <a:t>          # </a:t>
+            </a:r>
+            <a:r>
+              <a:rPr lang="ko-KR" altLang="en-US" dirty="0" err="1"/>
+              <a:t>Total</a:t>
+            </a:r>
+            <a:r>
+              <a:rPr lang="ko-KR" altLang="en-US" dirty="0"/>
+              <a:t> </a:t>
+            </a:r>
+            <a:r>
+              <a:rPr lang="ko-KR" altLang="en-US" dirty="0" err="1"/>
+              <a:t>number</a:t>
+            </a:r>
+            <a:r>
+              <a:rPr lang="ko-KR" altLang="en-US" dirty="0"/>
+              <a:t> of </a:t>
+            </a:r>
+            <a:r>
+              <a:rPr lang="ko-KR" altLang="en-US" dirty="0" err="1"/>
+              <a:t>pointclouds</a:t>
+            </a:r>
+            <a:endParaRPr lang="ko-KR" altLang="en-US" dirty="0"/>
+          </a:p>
+          <a:p>
+            <a:r>
+              <a:rPr lang="ko-KR" altLang="en-US" dirty="0"/>
+              <a:t>uint8  </a:t>
+            </a:r>
+            <a:r>
+              <a:rPr lang="ko-KR" altLang="en-US" dirty="0" err="1"/>
+              <a:t>lidar_id</a:t>
+            </a:r>
+            <a:r>
+              <a:rPr lang="ko-KR" altLang="en-US" dirty="0"/>
+              <a:t>           # </a:t>
+            </a:r>
+            <a:r>
+              <a:rPr lang="ko-KR" altLang="en-US" dirty="0" err="1"/>
+              <a:t>Lidar</a:t>
+            </a:r>
+            <a:r>
+              <a:rPr lang="ko-KR" altLang="en-US" dirty="0"/>
+              <a:t> </a:t>
+            </a:r>
+            <a:r>
+              <a:rPr lang="ko-KR" altLang="en-US" dirty="0" err="1"/>
+              <a:t>device</a:t>
+            </a:r>
+            <a:r>
+              <a:rPr lang="ko-KR" altLang="en-US" dirty="0"/>
+              <a:t> </a:t>
+            </a:r>
+            <a:r>
+              <a:rPr lang="ko-KR" altLang="en-US" dirty="0" err="1"/>
+              <a:t>id</a:t>
+            </a:r>
+            <a:r>
+              <a:rPr lang="ko-KR" altLang="en-US" dirty="0"/>
+              <a:t> </a:t>
+            </a:r>
+            <a:r>
+              <a:rPr lang="ko-KR" altLang="en-US" dirty="0" err="1"/>
+              <a:t>number</a:t>
+            </a:r>
+            <a:endParaRPr lang="ko-KR" altLang="en-US" dirty="0"/>
+          </a:p>
+          <a:p>
+            <a:r>
+              <a:rPr lang="ko-KR" altLang="en-US" dirty="0"/>
+              <a:t>uint8[3]  </a:t>
+            </a:r>
+            <a:r>
+              <a:rPr lang="ko-KR" altLang="en-US" dirty="0" err="1"/>
+              <a:t>rsvd</a:t>
+            </a:r>
+            <a:r>
+              <a:rPr lang="ko-KR" altLang="en-US" dirty="0"/>
+              <a:t>            # </a:t>
+            </a:r>
+            <a:r>
+              <a:rPr lang="ko-KR" altLang="en-US" dirty="0" err="1"/>
+              <a:t>Reserved</a:t>
+            </a:r>
+            <a:r>
+              <a:rPr lang="ko-KR" altLang="en-US" dirty="0"/>
+              <a:t> </a:t>
+            </a:r>
+            <a:r>
+              <a:rPr lang="ko-KR" altLang="en-US" dirty="0" err="1"/>
+              <a:t>use</a:t>
+            </a:r>
+            <a:endParaRPr lang="ko-KR" altLang="en-US" dirty="0"/>
+          </a:p>
+          <a:p>
+            <a:r>
+              <a:rPr lang="ko-KR" altLang="en-US" dirty="0" err="1"/>
+              <a:t>CustomPoint</a:t>
+            </a:r>
+            <a:r>
+              <a:rPr lang="ko-KR" altLang="en-US" dirty="0"/>
+              <a:t>[] </a:t>
+            </a:r>
+            <a:r>
+              <a:rPr lang="ko-KR" altLang="en-US" dirty="0" err="1"/>
+              <a:t>points</a:t>
+            </a:r>
+            <a:r>
+              <a:rPr lang="ko-KR" altLang="en-US" dirty="0"/>
+              <a:t>      # </a:t>
+            </a:r>
+            <a:r>
+              <a:rPr lang="ko-KR" altLang="en-US" dirty="0" err="1"/>
+              <a:t>Pointcloud</a:t>
+            </a:r>
+            <a:r>
+              <a:rPr lang="ko-KR" altLang="en-US" dirty="0"/>
+              <a:t> </a:t>
+            </a:r>
+            <a:r>
+              <a:rPr lang="ko-KR" altLang="en-US" dirty="0" err="1"/>
+              <a:t>data</a:t>
+            </a:r>
+            <a:endParaRPr lang="ko-KR" altLang="en-US" dirty="0"/>
+          </a:p>
+        </p:txBody>
+      </p:sp>
+      <p:sp>
+        <p:nvSpPr>
+          <p:cNvPr id="24" name="TextBox 23">
+            <a:extLst>
+              <a:ext uri="{FF2B5EF4-FFF2-40B4-BE49-F238E27FC236}">
+                <a16:creationId xmlns:a16="http://schemas.microsoft.com/office/drawing/2014/main" id="{7D56D843-3DBE-434E-628D-78A3A574A67D}"/>
+              </a:ext>
+            </a:extLst>
+          </p:cNvPr>
+          <p:cNvSpPr txBox="1"/>
+          <p:nvPr/>
+        </p:nvSpPr>
+        <p:spPr>
+          <a:xfrm>
+            <a:off x="5215405" y="3045943"/>
+            <a:ext cx="6094878" cy="2585323"/>
+          </a:xfrm>
+          <a:prstGeom prst="rect">
+            <a:avLst/>
+          </a:prstGeom>
+          <a:noFill/>
+        </p:spPr>
+        <p:txBody>
+          <a:bodyPr wrap="square">
+            <a:spAutoFit/>
+          </a:bodyPr>
+          <a:lstStyle/>
+          <a:p>
+            <a:r>
+              <a:rPr lang="en-GB" altLang="ko-KR" b="1" dirty="0" err="1"/>
+              <a:t>msg</a:t>
+            </a:r>
+            <a:r>
+              <a:rPr lang="en-GB" altLang="ko-KR" b="1" dirty="0"/>
+              <a:t>/CustomPoint.msg</a:t>
+            </a:r>
+            <a:endParaRPr lang="ko-KR" altLang="en-US" b="1" dirty="0"/>
+          </a:p>
+          <a:p>
+            <a:r>
+              <a:rPr lang="ko-KR" altLang="en-US" dirty="0"/>
+              <a:t>uint32 </a:t>
+            </a:r>
+            <a:r>
+              <a:rPr lang="ko-KR" altLang="en-US" dirty="0" err="1"/>
+              <a:t>offset_time</a:t>
+            </a:r>
+            <a:r>
+              <a:rPr lang="ko-KR" altLang="en-US" dirty="0"/>
+              <a:t>      # </a:t>
+            </a:r>
+            <a:r>
+              <a:rPr lang="ko-KR" altLang="en-US" dirty="0" err="1"/>
+              <a:t>offset</a:t>
+            </a:r>
+            <a:r>
+              <a:rPr lang="ko-KR" altLang="en-US" dirty="0"/>
+              <a:t> </a:t>
+            </a:r>
+            <a:r>
+              <a:rPr lang="ko-KR" altLang="en-US" dirty="0" err="1"/>
+              <a:t>time</a:t>
+            </a:r>
+            <a:r>
+              <a:rPr lang="ko-KR" altLang="en-US" dirty="0"/>
+              <a:t> </a:t>
+            </a:r>
+            <a:r>
+              <a:rPr lang="ko-KR" altLang="en-US" dirty="0" err="1"/>
+              <a:t>relative</a:t>
+            </a:r>
+            <a:r>
+              <a:rPr lang="ko-KR" altLang="en-US" dirty="0"/>
+              <a:t> </a:t>
+            </a:r>
+            <a:r>
+              <a:rPr lang="ko-KR" altLang="en-US" dirty="0" err="1"/>
+              <a:t>to</a:t>
+            </a:r>
+            <a:r>
+              <a:rPr lang="ko-KR" altLang="en-US" dirty="0"/>
+              <a:t> </a:t>
+            </a:r>
+            <a:r>
+              <a:rPr lang="ko-KR" altLang="en-US" dirty="0" err="1"/>
+              <a:t>the</a:t>
+            </a:r>
+            <a:r>
+              <a:rPr lang="ko-KR" altLang="en-US" dirty="0"/>
+              <a:t> </a:t>
+            </a:r>
+            <a:r>
+              <a:rPr lang="ko-KR" altLang="en-US" dirty="0" err="1"/>
+              <a:t>base</a:t>
+            </a:r>
+            <a:r>
+              <a:rPr lang="ko-KR" altLang="en-US" dirty="0"/>
+              <a:t> </a:t>
+            </a:r>
+            <a:r>
+              <a:rPr lang="ko-KR" altLang="en-US" dirty="0" err="1"/>
+              <a:t>time</a:t>
+            </a:r>
+            <a:endParaRPr lang="ko-KR" altLang="en-US" dirty="0"/>
+          </a:p>
+          <a:p>
+            <a:r>
+              <a:rPr lang="ko-KR" altLang="en-US" dirty="0"/>
+              <a:t>float32 </a:t>
+            </a:r>
+            <a:r>
+              <a:rPr lang="ko-KR" altLang="en-US" dirty="0" err="1"/>
+              <a:t>x</a:t>
+            </a:r>
+            <a:r>
+              <a:rPr lang="ko-KR" altLang="en-US" dirty="0"/>
+              <a:t>               # </a:t>
+            </a:r>
+            <a:r>
+              <a:rPr lang="ko-KR" altLang="en-US" dirty="0" err="1"/>
+              <a:t>X</a:t>
+            </a:r>
+            <a:r>
+              <a:rPr lang="ko-KR" altLang="en-US" dirty="0"/>
+              <a:t> </a:t>
+            </a:r>
+            <a:r>
+              <a:rPr lang="ko-KR" altLang="en-US" dirty="0" err="1"/>
+              <a:t>axis</a:t>
+            </a:r>
+            <a:r>
+              <a:rPr lang="ko-KR" altLang="en-US" dirty="0"/>
+              <a:t>, </a:t>
+            </a:r>
+            <a:r>
+              <a:rPr lang="ko-KR" altLang="en-US" dirty="0" err="1"/>
+              <a:t>unit:m</a:t>
+            </a:r>
+            <a:endParaRPr lang="ko-KR" altLang="en-US" dirty="0"/>
+          </a:p>
+          <a:p>
+            <a:r>
+              <a:rPr lang="ko-KR" altLang="en-US" dirty="0"/>
+              <a:t>float32 </a:t>
+            </a:r>
+            <a:r>
+              <a:rPr lang="ko-KR" altLang="en-US" dirty="0" err="1"/>
+              <a:t>y</a:t>
+            </a:r>
+            <a:r>
+              <a:rPr lang="ko-KR" altLang="en-US" dirty="0"/>
+              <a:t>               # </a:t>
+            </a:r>
+            <a:r>
+              <a:rPr lang="ko-KR" altLang="en-US" dirty="0" err="1"/>
+              <a:t>Y</a:t>
+            </a:r>
+            <a:r>
+              <a:rPr lang="ko-KR" altLang="en-US" dirty="0"/>
+              <a:t> </a:t>
+            </a:r>
+            <a:r>
+              <a:rPr lang="ko-KR" altLang="en-US" dirty="0" err="1"/>
+              <a:t>axis</a:t>
+            </a:r>
+            <a:r>
+              <a:rPr lang="ko-KR" altLang="en-US" dirty="0"/>
+              <a:t>, </a:t>
+            </a:r>
+            <a:r>
+              <a:rPr lang="ko-KR" altLang="en-US" dirty="0" err="1"/>
+              <a:t>unit:m</a:t>
+            </a:r>
+            <a:endParaRPr lang="ko-KR" altLang="en-US" dirty="0"/>
+          </a:p>
+          <a:p>
+            <a:r>
+              <a:rPr lang="ko-KR" altLang="en-US" dirty="0"/>
+              <a:t>float32 </a:t>
+            </a:r>
+            <a:r>
+              <a:rPr lang="ko-KR" altLang="en-US" dirty="0" err="1"/>
+              <a:t>z</a:t>
+            </a:r>
+            <a:r>
+              <a:rPr lang="ko-KR" altLang="en-US" dirty="0"/>
+              <a:t>               # </a:t>
+            </a:r>
+            <a:r>
+              <a:rPr lang="ko-KR" altLang="en-US" dirty="0" err="1"/>
+              <a:t>Z</a:t>
+            </a:r>
+            <a:r>
+              <a:rPr lang="ko-KR" altLang="en-US" dirty="0"/>
+              <a:t> </a:t>
+            </a:r>
+            <a:r>
+              <a:rPr lang="ko-KR" altLang="en-US" dirty="0" err="1"/>
+              <a:t>axis</a:t>
+            </a:r>
+            <a:r>
+              <a:rPr lang="ko-KR" altLang="en-US" dirty="0"/>
+              <a:t>, </a:t>
+            </a:r>
+            <a:r>
+              <a:rPr lang="ko-KR" altLang="en-US" dirty="0" err="1"/>
+              <a:t>unit:m</a:t>
+            </a:r>
+            <a:endParaRPr lang="ko-KR" altLang="en-US" dirty="0"/>
+          </a:p>
+          <a:p>
+            <a:r>
+              <a:rPr lang="ko-KR" altLang="en-US" dirty="0"/>
+              <a:t>uint8 </a:t>
+            </a:r>
+            <a:r>
+              <a:rPr lang="ko-KR" altLang="en-US" dirty="0" err="1"/>
+              <a:t>reflectivity</a:t>
+            </a:r>
+            <a:r>
+              <a:rPr lang="ko-KR" altLang="en-US" dirty="0"/>
+              <a:t>      # </a:t>
+            </a:r>
+            <a:r>
+              <a:rPr lang="ko-KR" altLang="en-US" dirty="0" err="1"/>
+              <a:t>reflectivity</a:t>
+            </a:r>
+            <a:r>
+              <a:rPr lang="ko-KR" altLang="en-US" dirty="0"/>
+              <a:t>, 0~255</a:t>
+            </a:r>
+          </a:p>
+          <a:p>
+            <a:r>
+              <a:rPr lang="ko-KR" altLang="en-US" dirty="0"/>
+              <a:t>uint8 </a:t>
+            </a:r>
+            <a:r>
+              <a:rPr lang="ko-KR" altLang="en-US" dirty="0" err="1"/>
+              <a:t>tag</a:t>
+            </a:r>
+            <a:r>
+              <a:rPr lang="ko-KR" altLang="en-US" dirty="0"/>
+              <a:t>               # </a:t>
+            </a:r>
+            <a:r>
+              <a:rPr lang="ko-KR" altLang="en-US" dirty="0" err="1"/>
+              <a:t>livox</a:t>
+            </a:r>
+            <a:r>
+              <a:rPr lang="ko-KR" altLang="en-US" dirty="0"/>
+              <a:t> </a:t>
+            </a:r>
+            <a:r>
+              <a:rPr lang="ko-KR" altLang="en-US" dirty="0" err="1"/>
+              <a:t>tag</a:t>
+            </a:r>
+            <a:endParaRPr lang="ko-KR" altLang="en-US" dirty="0"/>
+          </a:p>
+          <a:p>
+            <a:r>
+              <a:rPr lang="ko-KR" altLang="en-US" dirty="0"/>
+              <a:t>uint8 </a:t>
+            </a:r>
+            <a:r>
+              <a:rPr lang="ko-KR" altLang="en-US" dirty="0" err="1"/>
+              <a:t>line</a:t>
+            </a:r>
+            <a:r>
+              <a:rPr lang="ko-KR" altLang="en-US" dirty="0"/>
+              <a:t>              # </a:t>
+            </a:r>
+            <a:r>
+              <a:rPr lang="ko-KR" altLang="en-US" dirty="0" err="1"/>
+              <a:t>laser</a:t>
+            </a:r>
+            <a:r>
+              <a:rPr lang="ko-KR" altLang="en-US" dirty="0"/>
+              <a:t> </a:t>
+            </a:r>
+            <a:r>
+              <a:rPr lang="ko-KR" altLang="en-US" dirty="0" err="1"/>
+              <a:t>number</a:t>
+            </a:r>
+            <a:r>
+              <a:rPr lang="ko-KR" altLang="en-US" dirty="0"/>
+              <a:t> </a:t>
+            </a:r>
+            <a:r>
+              <a:rPr lang="ko-KR" altLang="en-US" dirty="0" err="1"/>
+              <a:t>in</a:t>
+            </a:r>
+            <a:r>
+              <a:rPr lang="ko-KR" altLang="en-US" dirty="0"/>
+              <a:t> </a:t>
+            </a:r>
+            <a:r>
+              <a:rPr lang="ko-KR" altLang="en-US" dirty="0" err="1"/>
+              <a:t>lidar</a:t>
+            </a:r>
+            <a:endParaRPr lang="ko-KR" altLang="en-US" dirty="0"/>
+          </a:p>
+        </p:txBody>
+      </p:sp>
+      <p:sp>
+        <p:nvSpPr>
+          <p:cNvPr id="3" name="TextBox 2">
+            <a:extLst>
+              <a:ext uri="{FF2B5EF4-FFF2-40B4-BE49-F238E27FC236}">
+                <a16:creationId xmlns:a16="http://schemas.microsoft.com/office/drawing/2014/main" id="{FE472CC4-9AF9-61D4-862D-14C2F386A121}"/>
+              </a:ext>
+            </a:extLst>
+          </p:cNvPr>
+          <p:cNvSpPr txBox="1"/>
+          <p:nvPr/>
+        </p:nvSpPr>
+        <p:spPr>
+          <a:xfrm>
+            <a:off x="273050" y="5857732"/>
+            <a:ext cx="6096000" cy="369332"/>
+          </a:xfrm>
+          <a:prstGeom prst="rect">
+            <a:avLst/>
+          </a:prstGeom>
+          <a:noFill/>
+        </p:spPr>
+        <p:txBody>
+          <a:bodyPr wrap="square">
+            <a:spAutoFit/>
+          </a:bodyPr>
+          <a:lstStyle/>
+          <a:p>
+            <a:r>
+              <a:rPr lang="ko-KR" altLang="en-US" dirty="0"/>
+              <a:t>https://github.com/Livox-SDK/livox_ros_driver2</a:t>
+            </a:r>
+          </a:p>
+        </p:txBody>
+      </p:sp>
+    </p:spTree>
+    <p:extLst>
+      <p:ext uri="{BB962C8B-B14F-4D97-AF65-F5344CB8AC3E}">
+        <p14:creationId xmlns:p14="http://schemas.microsoft.com/office/powerpoint/2010/main" val="490731189"/>
+      </p:ext>
+    </p:extLst>
+  </p:cSld>
+  <p:clrMapOvr>
+    <a:masterClrMapping/>
+  </p:clrMapOvr>
+</p:sld>
+</file>
+
+<file path=ppt/slides/slide8.xml><?xml version="1.0" encoding="utf-8"?>
+<p:sld xmlns:a="http://schemas.openxmlformats.org/drawingml/2006/main" xmlns:r="http://schemas.openxmlformats.org/officeDocument/2006/relationships" xmlns:p="http://schemas.openxmlformats.org/presentationml/2006/main">
+  <p:cSld>
+    <p:spTree>
+      <p:nvGrpSpPr>
+        <p:cNvPr id="1" name="">
+          <a:extLst>
+            <a:ext uri="{FF2B5EF4-FFF2-40B4-BE49-F238E27FC236}">
+              <a16:creationId xmlns:a16="http://schemas.microsoft.com/office/drawing/2014/main" id="{8D9EAD01-103F-1CCF-2134-9B8D62E91FBF}"/>
+            </a:ext>
+          </a:extLst>
+        </p:cNvPr>
+        <p:cNvGrpSpPr/>
+        <p:nvPr/>
+      </p:nvGrpSpPr>
+      <p:grpSpPr>
+        <a:xfrm>
+          <a:off x="0" y="0"/>
+          <a:ext cx="0" cy="0"/>
+          <a:chOff x="0" y="0"/>
+          <a:chExt cx="0" cy="0"/>
+        </a:xfrm>
+      </p:grpSpPr>
+      <p:pic>
+        <p:nvPicPr>
+          <p:cNvPr id="2056" name="Picture 8" descr="Amazon.com: Unitree 4DLiDAR L1 3D Lidar Navigation Obatacle Avoidance Slam  Ultra Wide Angle 360 Depth Scan (L1PM（20M）) : Industrial &amp; Scientific">
+            <a:extLst>
+              <a:ext uri="{FF2B5EF4-FFF2-40B4-BE49-F238E27FC236}">
+                <a16:creationId xmlns:a16="http://schemas.microsoft.com/office/drawing/2014/main" id="{ED2F1415-A950-F21A-CFCC-8234A404BD0E}"/>
+              </a:ext>
+            </a:extLst>
+          </p:cNvPr>
+          <p:cNvPicPr>
+            <a:picLocks noChangeAspect="1" noChangeArrowheads="1"/>
+          </p:cNvPicPr>
+          <p:nvPr/>
+        </p:nvPicPr>
+        <p:blipFill>
+          <a:blip r:embed="rId2">
+            <a:extLst>
+              <a:ext uri="{28A0092B-C50C-407E-A947-70E740481C1C}">
+                <a14:useLocalDpi xmlns:a14="http://schemas.microsoft.com/office/drawing/2010/main" val="0"/>
+              </a:ext>
+            </a:extLst>
+          </a:blip>
+          <a:srcRect/>
+          <a:stretch>
+            <a:fillRect/>
+          </a:stretch>
+        </p:blipFill>
+        <p:spPr bwMode="auto">
+          <a:xfrm>
+            <a:off x="998433" y="1081344"/>
+            <a:ext cx="2140841" cy="2405314"/>
+          </a:xfrm>
+          <a:prstGeom prst="rect">
+            <a:avLst/>
+          </a:prstGeom>
+          <a:noFill/>
+          <a:extLst>
+            <a:ext uri="{909E8E84-426E-40DD-AFC4-6F175D3DCCD1}">
+              <a14:hiddenFill xmlns:a14="http://schemas.microsoft.com/office/drawing/2010/main">
+                <a:solidFill>
+                  <a:srgbClr val="FFFFFF"/>
+                </a:solidFill>
+              </a14:hiddenFill>
+            </a:ext>
+          </a:extLst>
+        </p:spPr>
+      </p:pic>
+      <p:sp>
+        <p:nvSpPr>
+          <p:cNvPr id="12" name="TextBox 11">
+            <a:extLst>
+              <a:ext uri="{FF2B5EF4-FFF2-40B4-BE49-F238E27FC236}">
+                <a16:creationId xmlns:a16="http://schemas.microsoft.com/office/drawing/2014/main" id="{97C842AC-2308-CADD-18FB-3230D9B1AE3A}"/>
+              </a:ext>
+            </a:extLst>
+          </p:cNvPr>
+          <p:cNvSpPr txBox="1"/>
+          <p:nvPr/>
+        </p:nvSpPr>
+        <p:spPr>
+          <a:xfrm>
+            <a:off x="898083" y="4042771"/>
+            <a:ext cx="2811439" cy="369332"/>
+          </a:xfrm>
+          <a:prstGeom prst="rect">
+            <a:avLst/>
+          </a:prstGeom>
+          <a:noFill/>
+          <a:ln>
+            <a:solidFill>
+              <a:schemeClr val="accent1"/>
+            </a:solidFill>
+          </a:ln>
+        </p:spPr>
+        <p:txBody>
+          <a:bodyPr wrap="square" rtlCol="0">
+            <a:spAutoFit/>
+          </a:bodyPr>
+          <a:lstStyle/>
+          <a:p>
+            <a:r>
+              <a:rPr lang="en-US" altLang="ko-KR" dirty="0"/>
+              <a:t>Unitree 4D Lidar</a:t>
+            </a:r>
+          </a:p>
+        </p:txBody>
+      </p:sp>
+      <p:sp>
+        <p:nvSpPr>
+          <p:cNvPr id="5" name="TextBox 4">
+            <a:extLst>
+              <a:ext uri="{FF2B5EF4-FFF2-40B4-BE49-F238E27FC236}">
+                <a16:creationId xmlns:a16="http://schemas.microsoft.com/office/drawing/2014/main" id="{B9E43E0E-DA2B-5B66-0F3D-9BE52DE1022B}"/>
+              </a:ext>
+            </a:extLst>
+          </p:cNvPr>
+          <p:cNvSpPr txBox="1"/>
+          <p:nvPr/>
+        </p:nvSpPr>
+        <p:spPr>
+          <a:xfrm>
+            <a:off x="5197917" y="2007108"/>
+            <a:ext cx="6096000" cy="2862322"/>
+          </a:xfrm>
+          <a:prstGeom prst="rect">
+            <a:avLst/>
+          </a:prstGeom>
+          <a:noFill/>
+        </p:spPr>
+        <p:txBody>
+          <a:bodyPr wrap="square">
+            <a:spAutoFit/>
+          </a:bodyPr>
+          <a:lstStyle/>
+          <a:p>
+            <a:r>
+              <a:rPr lang="en-GB" altLang="ko-KR" dirty="0"/>
+              <a:t>The </a:t>
+            </a:r>
+            <a:r>
+              <a:rPr lang="en-GB" altLang="ko-KR" dirty="0" err="1"/>
+              <a:t>defalut</a:t>
+            </a:r>
+            <a:r>
+              <a:rPr lang="en-GB" altLang="ko-KR" dirty="0"/>
+              <a:t> cloud topic and its frame name is:</a:t>
+            </a:r>
+          </a:p>
+          <a:p>
+            <a:endParaRPr lang="en-GB" altLang="ko-KR" dirty="0"/>
+          </a:p>
+          <a:p>
+            <a:r>
+              <a:rPr lang="en-GB" altLang="ko-KR" dirty="0"/>
+              <a:t>topic: "</a:t>
+            </a:r>
+            <a:r>
+              <a:rPr lang="en-GB" altLang="ko-KR" dirty="0" err="1"/>
+              <a:t>unilidar</a:t>
+            </a:r>
+            <a:r>
+              <a:rPr lang="en-GB" altLang="ko-KR" dirty="0"/>
+              <a:t>/cloud"</a:t>
+            </a:r>
+          </a:p>
+          <a:p>
+            <a:r>
+              <a:rPr lang="en-GB" altLang="ko-KR" dirty="0"/>
+              <a:t>frame: "</a:t>
+            </a:r>
+            <a:r>
+              <a:rPr lang="en-GB" altLang="ko-KR" dirty="0" err="1"/>
+              <a:t>unilidar_lidar</a:t>
+            </a:r>
+            <a:r>
+              <a:rPr lang="en-GB" altLang="ko-KR" dirty="0"/>
+              <a:t>"</a:t>
+            </a:r>
+          </a:p>
+          <a:p>
+            <a:endParaRPr lang="en-GB" altLang="ko-KR" dirty="0"/>
+          </a:p>
+          <a:p>
+            <a:endParaRPr lang="en-GB" altLang="ko-KR" dirty="0"/>
+          </a:p>
+          <a:p>
+            <a:r>
+              <a:rPr lang="en-GB" altLang="ko-KR" dirty="0"/>
+              <a:t>The </a:t>
+            </a:r>
+            <a:r>
+              <a:rPr lang="en-GB" altLang="ko-KR" dirty="0" err="1"/>
+              <a:t>defalut</a:t>
+            </a:r>
+            <a:r>
+              <a:rPr lang="en-GB" altLang="ko-KR" dirty="0"/>
+              <a:t> IMU topic and its frame name is:</a:t>
+            </a:r>
+          </a:p>
+          <a:p>
+            <a:endParaRPr lang="en-GB" altLang="ko-KR" dirty="0"/>
+          </a:p>
+          <a:p>
+            <a:r>
+              <a:rPr lang="en-GB" altLang="ko-KR" dirty="0"/>
+              <a:t>topic: "</a:t>
+            </a:r>
+            <a:r>
+              <a:rPr lang="en-GB" altLang="ko-KR" dirty="0" err="1"/>
+              <a:t>unilidar</a:t>
+            </a:r>
+            <a:r>
+              <a:rPr lang="en-GB" altLang="ko-KR" dirty="0"/>
+              <a:t>/imu"</a:t>
+            </a:r>
+          </a:p>
+          <a:p>
+            <a:r>
+              <a:rPr lang="en-GB" altLang="ko-KR" dirty="0"/>
+              <a:t>frame: "</a:t>
+            </a:r>
+            <a:r>
+              <a:rPr lang="en-GB" altLang="ko-KR" dirty="0" err="1"/>
+              <a:t>unilidar_imu</a:t>
+            </a:r>
+            <a:r>
+              <a:rPr lang="en-GB" altLang="ko-KR" dirty="0"/>
+              <a:t>"</a:t>
+            </a:r>
+            <a:endParaRPr lang="ko-KR" altLang="en-US" dirty="0"/>
+          </a:p>
+        </p:txBody>
+      </p:sp>
+      <p:sp>
+        <p:nvSpPr>
+          <p:cNvPr id="8" name="TextBox 7">
+            <a:extLst>
+              <a:ext uri="{FF2B5EF4-FFF2-40B4-BE49-F238E27FC236}">
+                <a16:creationId xmlns:a16="http://schemas.microsoft.com/office/drawing/2014/main" id="{4C7E0A93-848D-B03F-6436-0AB0554FC2FB}"/>
+              </a:ext>
+            </a:extLst>
+          </p:cNvPr>
+          <p:cNvSpPr txBox="1"/>
+          <p:nvPr/>
+        </p:nvSpPr>
+        <p:spPr>
+          <a:xfrm>
+            <a:off x="0" y="6211669"/>
+            <a:ext cx="6096000" cy="646331"/>
+          </a:xfrm>
+          <a:prstGeom prst="rect">
+            <a:avLst/>
+          </a:prstGeom>
+          <a:noFill/>
+        </p:spPr>
+        <p:txBody>
+          <a:bodyPr wrap="square">
+            <a:spAutoFit/>
+          </a:bodyPr>
+          <a:lstStyle/>
+          <a:p>
+            <a:r>
+              <a:rPr lang="ko-KR" altLang="en-US" dirty="0"/>
+              <a:t>https://github.com/unitreerobotics/unilidar_sdk?tab=readme-ov-file</a:t>
+            </a:r>
+          </a:p>
+        </p:txBody>
+      </p:sp>
+    </p:spTree>
+    <p:extLst>
+      <p:ext uri="{BB962C8B-B14F-4D97-AF65-F5344CB8AC3E}">
+        <p14:creationId xmlns:p14="http://schemas.microsoft.com/office/powerpoint/2010/main" val="1107697024"/>
+      </p:ext>
+    </p:extLst>
+  </p:cSld>
+  <p:clrMapOvr>
+    <a:masterClrMapping/>
+  </p:clrMapOvr>
+</p:sld>
+</file>
+
+<file path=ppt/slides/slide9.xml><?xml version="1.0" encoding="utf-8"?>
+<p:sld xmlns:a="http://schemas.openxmlformats.org/drawingml/2006/main" xmlns:r="http://schemas.openxmlformats.org/officeDocument/2006/relationships" xmlns:p="http://schemas.openxmlformats.org/presentationml/2006/main">
+  <p:cSld>
+    <p:spTree>
+      <p:nvGrpSpPr>
+        <p:cNvPr id="1" name=""/>
+        <p:cNvGrpSpPr/>
+        <p:nvPr/>
+      </p:nvGrpSpPr>
+      <p:grpSpPr>
+        <a:xfrm>
+          <a:off x="0" y="0"/>
+          <a:ext cx="0" cy="0"/>
+          <a:chOff x="0" y="0"/>
+          <a:chExt cx="0" cy="0"/>
+        </a:xfrm>
+      </p:grpSpPr>
+      <p:pic>
+        <p:nvPicPr>
+          <p:cNvPr id="1026" name="Picture 2">
+            <a:extLst>
+              <a:ext uri="{FF2B5EF4-FFF2-40B4-BE49-F238E27FC236}">
+                <a16:creationId xmlns:a16="http://schemas.microsoft.com/office/drawing/2014/main" id="{2A590815-35FA-92E9-3718-C49C155C1A31}"/>
+              </a:ext>
+            </a:extLst>
+          </p:cNvPr>
+          <p:cNvPicPr>
+            <a:picLocks noChangeAspect="1" noChangeArrowheads="1"/>
+          </p:cNvPicPr>
+          <p:nvPr/>
+        </p:nvPicPr>
+        <p:blipFill rotWithShape="1">
+          <a:blip r:embed="rId2">
+            <a:extLst>
+              <a:ext uri="{28A0092B-C50C-407E-A947-70E740481C1C}">
+                <a14:useLocalDpi xmlns:a14="http://schemas.microsoft.com/office/drawing/2010/main" val="0"/>
+              </a:ext>
+            </a:extLst>
+          </a:blip>
+          <a:srcRect t="12575" b="12575"/>
+          <a:stretch/>
+        </p:blipFill>
+        <p:spPr bwMode="auto">
+          <a:xfrm>
+            <a:off x="343323" y="1814299"/>
+            <a:ext cx="5752677" cy="3229401"/>
+          </a:xfrm>
+          <a:prstGeom prst="rect">
+            <a:avLst/>
+          </a:prstGeom>
+          <a:noFill/>
+          <a:extLst>
+            <a:ext uri="{909E8E84-426E-40DD-AFC4-6F175D3DCCD1}">
+              <a14:hiddenFill xmlns:a14="http://schemas.microsoft.com/office/drawing/2010/main">
+                <a:solidFill>
+                  <a:srgbClr val="FFFFFF"/>
+                </a:solidFill>
+              </a14:hiddenFill>
+            </a:ext>
+          </a:extLst>
+        </p:spPr>
+      </p:pic>
+      <p:pic>
+        <p:nvPicPr>
+          <p:cNvPr id="1028" name="Picture 4">
+            <a:extLst>
+              <a:ext uri="{FF2B5EF4-FFF2-40B4-BE49-F238E27FC236}">
+                <a16:creationId xmlns:a16="http://schemas.microsoft.com/office/drawing/2014/main" id="{BFEA1501-2B9A-4AB4-A14D-3735D6CB3BD0}"/>
+              </a:ext>
+            </a:extLst>
+          </p:cNvPr>
+          <p:cNvPicPr>
+            <a:picLocks noChangeAspect="1" noChangeArrowheads="1"/>
+          </p:cNvPicPr>
+          <p:nvPr/>
+        </p:nvPicPr>
+        <p:blipFill rotWithShape="1">
+          <a:blip r:embed="rId3">
+            <a:extLst>
+              <a:ext uri="{28A0092B-C50C-407E-A947-70E740481C1C}">
+                <a14:useLocalDpi xmlns:a14="http://schemas.microsoft.com/office/drawing/2010/main" val="0"/>
+              </a:ext>
+            </a:extLst>
+          </a:blip>
+          <a:srcRect l="988" t="701" r="-988" b="4976"/>
+          <a:stretch/>
+        </p:blipFill>
+        <p:spPr bwMode="auto">
+          <a:xfrm>
+            <a:off x="6714461" y="1814299"/>
+            <a:ext cx="4565019" cy="3229401"/>
+          </a:xfrm>
+          <a:prstGeom prst="rect">
+            <a:avLst/>
+          </a:prstGeom>
+          <a:noFill/>
+          <a:extLst>
+            <a:ext uri="{909E8E84-426E-40DD-AFC4-6F175D3DCCD1}">
+              <a14:hiddenFill xmlns:a14="http://schemas.microsoft.com/office/drawing/2010/main">
+                <a:solidFill>
+                  <a:srgbClr val="FFFFFF"/>
+                </a:solidFill>
+              </a14:hiddenFill>
+            </a:ext>
+          </a:extLst>
+        </p:spPr>
+      </p:pic>
+      <p:sp>
+        <p:nvSpPr>
+          <p:cNvPr id="2" name="TextBox 1">
+            <a:extLst>
+              <a:ext uri="{FF2B5EF4-FFF2-40B4-BE49-F238E27FC236}">
+                <a16:creationId xmlns:a16="http://schemas.microsoft.com/office/drawing/2014/main" id="{12E9E08A-650E-D54A-12E0-E5685A8E31D7}"/>
+              </a:ext>
+            </a:extLst>
+          </p:cNvPr>
+          <p:cNvSpPr txBox="1"/>
+          <p:nvPr/>
+        </p:nvSpPr>
+        <p:spPr>
+          <a:xfrm>
+            <a:off x="920750" y="884408"/>
+            <a:ext cx="3409950" cy="369332"/>
+          </a:xfrm>
+          <a:prstGeom prst="rect">
+            <a:avLst/>
+          </a:prstGeom>
+          <a:noFill/>
+        </p:spPr>
+        <p:txBody>
+          <a:bodyPr wrap="square" rtlCol="0">
+            <a:spAutoFit/>
+          </a:bodyPr>
+          <a:lstStyle/>
+          <a:p>
+            <a:r>
+              <a:rPr lang="en-US" altLang="ko-KR" dirty="0"/>
+              <a:t>PointCloud2 Visualization</a:t>
+            </a:r>
+            <a:endParaRPr lang="ko-KR" altLang="en-US" dirty="0"/>
+          </a:p>
+        </p:txBody>
+      </p:sp>
+    </p:spTree>
+    <p:extLst>
+      <p:ext uri="{BB962C8B-B14F-4D97-AF65-F5344CB8AC3E}">
+        <p14:creationId xmlns:p14="http://schemas.microsoft.com/office/powerpoint/2010/main" val="1255182152"/>
       </p:ext>
     </p:extLst>
   </p:cSld>
